--- a/presentation/Delivery Delay Prediction.pptx
+++ b/presentation/Delivery Delay Prediction.pptx
@@ -113,6 +113,11 @@
       </a:defRPr>
     </a:lvl9pPr>
   </p:defaultTextStyle>
+  <p:extLst>
+    <p:ext uri="{EFAFB233-063F-42B5-8137-9DF3F51BA10A}">
+      <p15:sldGuideLst xmlns:p15="http://schemas.microsoft.com/office/powerpoint/2012/main"/>
+    </p:ext>
+  </p:extLst>
 </p:presentation>
 </file>
 
@@ -198,7 +203,7 @@
           <a:p>
             <a:fld id="{4F2A0E56-3DCE-46B7-AC09-12AD974F200C}" type="datetimeFigureOut">
               <a:rPr lang="en-GB" smtClean="0"/>
-              <a:t>14/10/2024</a:t>
+              <a:t>24/11/2024</a:t>
             </a:fld>
             <a:endParaRPr lang="en-GB"/>
           </a:p>
@@ -699,7 +704,7 @@
           <a:p>
             <a:fld id="{60238AE0-F910-49EC-B503-B232D2E6E931}" type="datetimeFigureOut">
               <a:rPr lang="en-GB" smtClean="0"/>
-              <a:t>14/10/2024</a:t>
+              <a:t>24/11/2024</a:t>
             </a:fld>
             <a:endParaRPr lang="en-GB"/>
           </a:p>
@@ -899,7 +904,7 @@
           <a:p>
             <a:fld id="{60238AE0-F910-49EC-B503-B232D2E6E931}" type="datetimeFigureOut">
               <a:rPr lang="en-GB" smtClean="0"/>
-              <a:t>14/10/2024</a:t>
+              <a:t>24/11/2024</a:t>
             </a:fld>
             <a:endParaRPr lang="en-GB"/>
           </a:p>
@@ -1109,7 +1114,7 @@
           <a:p>
             <a:fld id="{60238AE0-F910-49EC-B503-B232D2E6E931}" type="datetimeFigureOut">
               <a:rPr lang="en-GB" smtClean="0"/>
-              <a:t>14/10/2024</a:t>
+              <a:t>24/11/2024</a:t>
             </a:fld>
             <a:endParaRPr lang="en-GB"/>
           </a:p>
@@ -1309,7 +1314,7 @@
           <a:p>
             <a:fld id="{60238AE0-F910-49EC-B503-B232D2E6E931}" type="datetimeFigureOut">
               <a:rPr lang="en-GB" smtClean="0"/>
-              <a:t>14/10/2024</a:t>
+              <a:t>24/11/2024</a:t>
             </a:fld>
             <a:endParaRPr lang="en-GB"/>
           </a:p>
@@ -1585,7 +1590,7 @@
           <a:p>
             <a:fld id="{60238AE0-F910-49EC-B503-B232D2E6E931}" type="datetimeFigureOut">
               <a:rPr lang="en-GB" smtClean="0"/>
-              <a:t>14/10/2024</a:t>
+              <a:t>24/11/2024</a:t>
             </a:fld>
             <a:endParaRPr lang="en-GB"/>
           </a:p>
@@ -1853,7 +1858,7 @@
           <a:p>
             <a:fld id="{60238AE0-F910-49EC-B503-B232D2E6E931}" type="datetimeFigureOut">
               <a:rPr lang="en-GB" smtClean="0"/>
-              <a:t>14/10/2024</a:t>
+              <a:t>24/11/2024</a:t>
             </a:fld>
             <a:endParaRPr lang="en-GB"/>
           </a:p>
@@ -2268,7 +2273,7 @@
           <a:p>
             <a:fld id="{60238AE0-F910-49EC-B503-B232D2E6E931}" type="datetimeFigureOut">
               <a:rPr lang="en-GB" smtClean="0"/>
-              <a:t>14/10/2024</a:t>
+              <a:t>24/11/2024</a:t>
             </a:fld>
             <a:endParaRPr lang="en-GB"/>
           </a:p>
@@ -2410,7 +2415,7 @@
           <a:p>
             <a:fld id="{60238AE0-F910-49EC-B503-B232D2E6E931}" type="datetimeFigureOut">
               <a:rPr lang="en-GB" smtClean="0"/>
-              <a:t>14/10/2024</a:t>
+              <a:t>24/11/2024</a:t>
             </a:fld>
             <a:endParaRPr lang="en-GB"/>
           </a:p>
@@ -2523,7 +2528,7 @@
           <a:p>
             <a:fld id="{60238AE0-F910-49EC-B503-B232D2E6E931}" type="datetimeFigureOut">
               <a:rPr lang="en-GB" smtClean="0"/>
-              <a:t>14/10/2024</a:t>
+              <a:t>24/11/2024</a:t>
             </a:fld>
             <a:endParaRPr lang="en-GB"/>
           </a:p>
@@ -2836,7 +2841,7 @@
           <a:p>
             <a:fld id="{60238AE0-F910-49EC-B503-B232D2E6E931}" type="datetimeFigureOut">
               <a:rPr lang="en-GB" smtClean="0"/>
-              <a:t>14/10/2024</a:t>
+              <a:t>24/11/2024</a:t>
             </a:fld>
             <a:endParaRPr lang="en-GB"/>
           </a:p>
@@ -3125,7 +3130,7 @@
           <a:p>
             <a:fld id="{60238AE0-F910-49EC-B503-B232D2E6E931}" type="datetimeFigureOut">
               <a:rPr lang="en-GB" smtClean="0"/>
-              <a:t>14/10/2024</a:t>
+              <a:t>24/11/2024</a:t>
             </a:fld>
             <a:endParaRPr lang="en-GB"/>
           </a:p>
@@ -3371,7 +3376,7 @@
           <a:p>
             <a:fld id="{60238AE0-F910-49EC-B503-B232D2E6E931}" type="datetimeFigureOut">
               <a:rPr lang="en-GB" smtClean="0"/>
-              <a:t>14/10/2024</a:t>
+              <a:t>24/11/2024</a:t>
             </a:fld>
             <a:endParaRPr lang="en-GB"/>
           </a:p>
@@ -4000,6 +4005,114 @@
           </a:p>
         </p:txBody>
       </p:sp>
+      <p:pic>
+        <p:nvPicPr>
+          <p:cNvPr id="1026" name="Picture 2">
+            <a:extLst>
+              <a:ext uri="{FF2B5EF4-FFF2-40B4-BE49-F238E27FC236}">
+                <a16:creationId xmlns:a16="http://schemas.microsoft.com/office/drawing/2014/main" id="{DE983D64-D60F-7E54-5C53-0CE768AE5A59}"/>
+              </a:ext>
+            </a:extLst>
+          </p:cNvPr>
+          <p:cNvPicPr>
+            <a:picLocks noChangeAspect="1" noChangeArrowheads="1"/>
+          </p:cNvPicPr>
+          <p:nvPr/>
+        </p:nvPicPr>
+        <p:blipFill>
+          <a:blip r:embed="rId2">
+            <a:extLst>
+              <a:ext uri="{BEBA8EAE-BF5A-486C-A8C5-ECC9F3942E4B}">
+                <a14:imgProps xmlns:a14="http://schemas.microsoft.com/office/drawing/2010/main">
+                  <a14:imgLayer r:embed="rId3">
+                    <a14:imgEffect>
+                      <a14:backgroundRemoval t="9961" b="89844" l="5176" r="94629">
+                        <a14:foregroundMark x1="9375" y1="55957" x2="13770" y2="43750"/>
+                        <a14:foregroundMark x1="13770" y1="43750" x2="15039" y2="58984"/>
+                        <a14:foregroundMark x1="15039" y1="58984" x2="9082" y2="60059"/>
+                        <a14:foregroundMark x1="65723" y1="51855" x2="59180" y2="56250"/>
+                        <a14:foregroundMark x1="90723" y1="48145" x2="86621" y2="46680"/>
+                        <a14:foregroundMark x1="90527" y1="50586" x2="91211" y2="60059"/>
+                        <a14:foregroundMark x1="90723" y1="49902" x2="94629" y2="49902"/>
+                        <a14:foregroundMark x1="5176" y1="51074" x2="5176" y2="51074"/>
+                        <a14:foregroundMark x1="5469" y1="50098" x2="5469" y2="50098"/>
+                        <a14:foregroundMark x1="32422" y1="45703" x2="38965" y2="58105"/>
+                        <a14:foregroundMark x1="21973" y1="49902" x2="21973" y2="49902"/>
+                      </a14:backgroundRemoval>
+                    </a14:imgEffect>
+                  </a14:imgLayer>
+                </a14:imgProps>
+              </a:ext>
+              <a:ext uri="{28A0092B-C50C-407E-A947-70E740481C1C}">
+                <a14:useLocalDpi xmlns:a14="http://schemas.microsoft.com/office/drawing/2010/main" val="0"/>
+              </a:ext>
+            </a:extLst>
+          </a:blip>
+          <a:srcRect/>
+          <a:stretch>
+            <a:fillRect/>
+          </a:stretch>
+        </p:blipFill>
+        <p:spPr bwMode="auto">
+          <a:xfrm>
+            <a:off x="7219949" y="857249"/>
+            <a:ext cx="3762375" cy="3762375"/>
+          </a:xfrm>
+          <a:prstGeom prst="rect">
+            <a:avLst/>
+          </a:prstGeom>
+          <a:noFill/>
+          <a:extLst>
+            <a:ext uri="{909E8E84-426E-40DD-AFC4-6F175D3DCCD1}">
+              <a14:hiddenFill xmlns:a14="http://schemas.microsoft.com/office/drawing/2010/main">
+                <a:solidFill>
+                  <a:srgbClr val="FFFFFF"/>
+                </a:solidFill>
+              </a14:hiddenFill>
+            </a:ext>
+          </a:extLst>
+        </p:spPr>
+      </p:pic>
+      <p:sp>
+        <p:nvSpPr>
+          <p:cNvPr id="4" name="TextBox 3">
+            <a:extLst>
+              <a:ext uri="{FF2B5EF4-FFF2-40B4-BE49-F238E27FC236}">
+                <a16:creationId xmlns:a16="http://schemas.microsoft.com/office/drawing/2014/main" id="{94C7889F-F63F-8680-A0DA-549907141284}"/>
+              </a:ext>
+            </a:extLst>
+          </p:cNvPr>
+          <p:cNvSpPr txBox="1"/>
+          <p:nvPr/>
+        </p:nvSpPr>
+        <p:spPr>
+          <a:xfrm>
+            <a:off x="7219949" y="3429000"/>
+            <a:ext cx="3762375" cy="646331"/>
+          </a:xfrm>
+          <a:prstGeom prst="rect">
+            <a:avLst/>
+          </a:prstGeom>
+          <a:noFill/>
+        </p:spPr>
+        <p:txBody>
+          <a:bodyPr wrap="square" rtlCol="0">
+            <a:spAutoFit/>
+          </a:bodyPr>
+          <a:lstStyle/>
+          <a:p>
+            <a:pPr algn="ctr"/>
+            <a:r>
+              <a:rPr lang="en-GB" dirty="0">
+                <a:solidFill>
+                  <a:schemeClr val="bg1"/>
+                </a:solidFill>
+              </a:rPr>
+              <a:t>1 in 4 deliveries experiences a delay of 30 minutes or more</a:t>
+            </a:r>
+          </a:p>
+        </p:txBody>
+      </p:sp>
     </p:spTree>
     <p:extLst>
       <p:ext uri="{BB962C8B-B14F-4D97-AF65-F5344CB8AC3E}">
@@ -4817,7 +4930,7 @@
             </a:pPr>
             <a:r>
               <a:rPr lang="en-US" sz="1400" b="1" dirty="0"/>
-              <a:t>49% of delays</a:t>
+              <a:t> Only 36% of delays</a:t>
             </a:r>
             <a:r>
               <a:rPr lang="en-US" sz="1400" dirty="0"/>
@@ -4831,7 +4944,7 @@
             </a:pPr>
             <a:r>
               <a:rPr lang="en-US" sz="1400" b="1" dirty="0"/>
-              <a:t>85% of on-time deliveries</a:t>
+              <a:t> 85% of on-time deliveries</a:t>
             </a:r>
             <a:r>
               <a:rPr lang="en-US" sz="1400" dirty="0"/>
@@ -4929,7 +5042,7 @@
         </p:blipFill>
         <p:spPr>
           <a:xfrm>
-            <a:off x="7405926" y="457200"/>
+            <a:off x="7499673" y="3623228"/>
             <a:ext cx="3685307" cy="2983656"/>
           </a:xfrm>
         </p:spPr>
@@ -4949,15 +5062,20 @@
           <p:nvPr/>
         </p:nvPicPr>
         <p:blipFill>
-          <a:blip r:embed="rId3"/>
-          <a:stretch>
-            <a:fillRect/>
-          </a:stretch>
+          <a:blip r:embed="rId3">
+            <a:extLst>
+              <a:ext uri="{28A0092B-C50C-407E-A947-70E740481C1C}">
+                <a14:useLocalDpi xmlns:a14="http://schemas.microsoft.com/office/drawing/2010/main" val="0"/>
+              </a:ext>
+            </a:extLst>
+          </a:blip>
+          <a:srcRect/>
+          <a:stretch/>
         </p:blipFill>
         <p:spPr>
           <a:xfrm>
-            <a:off x="7435665" y="3568364"/>
-            <a:ext cx="3685308" cy="3110974"/>
+            <a:off x="7499673" y="318026"/>
+            <a:ext cx="3685307" cy="3110974"/>
           </a:xfrm>
           <a:prstGeom prst="rect">
             <a:avLst/>
@@ -5045,10 +5163,15 @@
           </p:nvPr>
         </p:nvPicPr>
         <p:blipFill>
-          <a:blip r:embed="rId2"/>
-          <a:stretch>
-            <a:fillRect/>
-          </a:stretch>
+          <a:blip r:embed="rId2">
+            <a:extLst>
+              <a:ext uri="{28A0092B-C50C-407E-A947-70E740481C1C}">
+                <a14:useLocalDpi xmlns:a14="http://schemas.microsoft.com/office/drawing/2010/main" val="0"/>
+              </a:ext>
+            </a:extLst>
+          </a:blip>
+          <a:srcRect/>
+          <a:stretch/>
         </p:blipFill>
         <p:spPr>
           <a:xfrm>
@@ -5118,961 +5241,6 @@
           </a:p>
         </p:txBody>
       </p:sp>
-      <p:graphicFrame>
-        <p:nvGraphicFramePr>
-          <p:cNvPr id="8" name="Table 7">
-            <a:extLst>
-              <a:ext uri="{FF2B5EF4-FFF2-40B4-BE49-F238E27FC236}">
-                <a16:creationId xmlns:a16="http://schemas.microsoft.com/office/drawing/2014/main" id="{E22DFA99-93D0-43D3-C94F-95ED477F68B1}"/>
-              </a:ext>
-            </a:extLst>
-          </p:cNvPr>
-          <p:cNvGraphicFramePr>
-            <a:graphicFrameLocks noGrp="1"/>
-          </p:cNvGraphicFramePr>
-          <p:nvPr>
-            <p:extLst>
-              <p:ext uri="{D42A27DB-BD31-4B8C-83A1-F6EECF244321}">
-                <p14:modId xmlns:p14="http://schemas.microsoft.com/office/powerpoint/2010/main" val="2477897538"/>
-              </p:ext>
-            </p:extLst>
-          </p:nvPr>
-        </p:nvGraphicFramePr>
-        <p:xfrm>
-          <a:off x="5611812" y="4200322"/>
-          <a:ext cx="5740400" cy="2188845"/>
-        </p:xfrm>
-        <a:graphic>
-          <a:graphicData uri="http://schemas.openxmlformats.org/drawingml/2006/table">
-            <a:tbl>
-              <a:tblPr firstRow="1">
-                <a:tableStyleId>{5C22544A-7EE6-4342-B048-85BDC9FD1C3A}</a:tableStyleId>
-              </a:tblPr>
-              <a:tblGrid>
-                <a:gridCol w="1899920">
-                  <a:extLst>
-                    <a:ext uri="{9D8B030D-6E8A-4147-A177-3AD203B41FA5}">
-                      <a16:colId xmlns:a16="http://schemas.microsoft.com/office/drawing/2014/main" val="487181766"/>
-                    </a:ext>
-                  </a:extLst>
-                </a:gridCol>
-                <a:gridCol w="1216152">
-                  <a:extLst>
-                    <a:ext uri="{9D8B030D-6E8A-4147-A177-3AD203B41FA5}">
-                      <a16:colId xmlns:a16="http://schemas.microsoft.com/office/drawing/2014/main" val="1785135651"/>
-                    </a:ext>
-                  </a:extLst>
-                </a:gridCol>
-                <a:gridCol w="1298448">
-                  <a:extLst>
-                    <a:ext uri="{9D8B030D-6E8A-4147-A177-3AD203B41FA5}">
-                      <a16:colId xmlns:a16="http://schemas.microsoft.com/office/drawing/2014/main" val="759287693"/>
-                    </a:ext>
-                  </a:extLst>
-                </a:gridCol>
-                <a:gridCol w="1325880">
-                  <a:extLst>
-                    <a:ext uri="{9D8B030D-6E8A-4147-A177-3AD203B41FA5}">
-                      <a16:colId xmlns:a16="http://schemas.microsoft.com/office/drawing/2014/main" val="3117054667"/>
-                    </a:ext>
-                  </a:extLst>
-                </a:gridCol>
-              </a:tblGrid>
-              <a:tr h="238125">
-                <a:tc>
-                  <a:txBody>
-                    <a:bodyPr/>
-                    <a:lstStyle/>
-                    <a:p>
-                      <a:pPr algn="l" fontAlgn="b"/>
-                      <a:r>
-                        <a:rPr lang="en-GB" sz="1400" u="none" strike="noStrike" dirty="0">
-                          <a:effectLst/>
-                        </a:rPr>
-                        <a:t>Predicted Probabilities</a:t>
-                      </a:r>
-                      <a:endParaRPr lang="en-GB" sz="1400" b="0" i="0" u="none" strike="noStrike" dirty="0">
-                        <a:solidFill>
-                          <a:srgbClr val="000000"/>
-                        </a:solidFill>
-                        <a:effectLst/>
-                        <a:latin typeface="Aptos Narrow" panose="020B0004020202020204" pitchFamily="34" charset="0"/>
-                      </a:endParaRPr>
-                    </a:p>
-                  </a:txBody>
-                  <a:tcPr marL="9525" marR="9525" marT="9525" marB="0" anchor="b"/>
-                </a:tc>
-                <a:tc>
-                  <a:txBody>
-                    <a:bodyPr/>
-                    <a:lstStyle/>
-                    <a:p>
-                      <a:pPr algn="ctr" fontAlgn="ctr"/>
-                      <a:r>
-                        <a:rPr lang="en-GB" sz="1100" u="none" strike="noStrike" dirty="0">
-                          <a:effectLst/>
-                        </a:rPr>
-                        <a:t>Train</a:t>
-                      </a:r>
-                      <a:endParaRPr lang="en-GB" sz="1100" b="1" i="0" u="none" strike="noStrike" dirty="0">
-                        <a:solidFill>
-                          <a:srgbClr val="FFFFFF"/>
-                        </a:solidFill>
-                        <a:effectLst/>
-                        <a:latin typeface="Segoe UI" panose="020B0502040204020203" pitchFamily="34" charset="0"/>
-                      </a:endParaRPr>
-                    </a:p>
-                  </a:txBody>
-                  <a:tcPr marL="9525" marR="9525" marT="9525" marB="0" anchor="ctr"/>
-                </a:tc>
-                <a:tc>
-                  <a:txBody>
-                    <a:bodyPr/>
-                    <a:lstStyle/>
-                    <a:p>
-                      <a:pPr algn="ctr" fontAlgn="ctr"/>
-                      <a:r>
-                        <a:rPr lang="en-GB" sz="1100" u="none" strike="noStrike" dirty="0">
-                          <a:effectLst/>
-                        </a:rPr>
-                        <a:t>Test</a:t>
-                      </a:r>
-                      <a:endParaRPr lang="en-GB" sz="1100" b="1" i="0" u="none" strike="noStrike" dirty="0">
-                        <a:solidFill>
-                          <a:srgbClr val="FFFFFF"/>
-                        </a:solidFill>
-                        <a:effectLst/>
-                        <a:latin typeface="Segoe UI" panose="020B0502040204020203" pitchFamily="34" charset="0"/>
-                      </a:endParaRPr>
-                    </a:p>
-                  </a:txBody>
-                  <a:tcPr marL="9525" marR="9525" marT="9525" marB="0" anchor="ctr"/>
-                </a:tc>
-                <a:tc>
-                  <a:txBody>
-                    <a:bodyPr/>
-                    <a:lstStyle/>
-                    <a:p>
-                      <a:pPr algn="ctr" fontAlgn="ctr"/>
-                      <a:r>
-                        <a:rPr lang="en-GB" sz="1100" u="none" strike="noStrike" dirty="0">
-                          <a:effectLst/>
-                        </a:rPr>
-                        <a:t>Unlabelled</a:t>
-                      </a:r>
-                      <a:endParaRPr lang="en-GB" sz="1100" b="1" i="0" u="none" strike="noStrike" dirty="0">
-                        <a:solidFill>
-                          <a:srgbClr val="FFFFFF"/>
-                        </a:solidFill>
-                        <a:effectLst/>
-                        <a:latin typeface="Segoe UI" panose="020B0502040204020203" pitchFamily="34" charset="0"/>
-                      </a:endParaRPr>
-                    </a:p>
-                  </a:txBody>
-                  <a:tcPr marL="9525" marR="9525" marT="9525" marB="0" anchor="ctr"/>
-                </a:tc>
-                <a:extLst>
-                  <a:ext uri="{0D108BD9-81ED-4DB2-BD59-A6C34878D82A}">
-                    <a16:rowId xmlns:a16="http://schemas.microsoft.com/office/drawing/2014/main" val="303269715"/>
-                  </a:ext>
-                </a:extLst>
-              </a:tr>
-              <a:tr h="209550">
-                <a:tc>
-                  <a:txBody>
-                    <a:bodyPr/>
-                    <a:lstStyle/>
-                    <a:p>
-                      <a:pPr algn="l" fontAlgn="ctr"/>
-                      <a:r>
-                        <a:rPr lang="en-GB" sz="1100" u="none" strike="noStrike" dirty="0">
-                          <a:effectLst/>
-                        </a:rPr>
-                        <a:t>count</a:t>
-                      </a:r>
-                      <a:endParaRPr lang="en-GB" sz="1100" b="0" i="0" u="none" strike="noStrike" dirty="0">
-                        <a:solidFill>
-                          <a:srgbClr val="FFFFFF"/>
-                        </a:solidFill>
-                        <a:effectLst/>
-                        <a:latin typeface="Segoe UI" panose="020B0502040204020203" pitchFamily="34" charset="0"/>
-                      </a:endParaRPr>
-                    </a:p>
-                  </a:txBody>
-                  <a:tcPr marL="9525" marR="9525" marT="9525" marB="0" anchor="ctr"/>
-                </a:tc>
-                <a:tc>
-                  <a:txBody>
-                    <a:bodyPr/>
-                    <a:lstStyle/>
-                    <a:p>
-                      <a:pPr algn="ctr" fontAlgn="ctr"/>
-                      <a:r>
-                        <a:rPr lang="en-GB" sz="1100" u="none" strike="noStrike">
-                          <a:effectLst/>
-                        </a:rPr>
-                        <a:t>2076</a:t>
-                      </a:r>
-                      <a:endParaRPr lang="en-GB" sz="1100" b="0" i="0" u="none" strike="noStrike">
-                        <a:solidFill>
-                          <a:srgbClr val="000000"/>
-                        </a:solidFill>
-                        <a:effectLst/>
-                        <a:latin typeface="Segoe UI" panose="020B0502040204020203" pitchFamily="34" charset="0"/>
-                      </a:endParaRPr>
-                    </a:p>
-                  </a:txBody>
-                  <a:tcPr marL="9525" marR="9525" marT="38100" marB="38100" anchor="ctr"/>
-                </a:tc>
-                <a:tc>
-                  <a:txBody>
-                    <a:bodyPr/>
-                    <a:lstStyle/>
-                    <a:p>
-                      <a:pPr algn="ctr" fontAlgn="ctr"/>
-                      <a:r>
-                        <a:rPr lang="en-GB" sz="1100" u="none" strike="noStrike" dirty="0">
-                          <a:effectLst/>
-                        </a:rPr>
-                        <a:t>519</a:t>
-                      </a:r>
-                      <a:endParaRPr lang="en-GB" sz="1100" b="0" i="0" u="none" strike="noStrike" dirty="0">
-                        <a:solidFill>
-                          <a:srgbClr val="000000"/>
-                        </a:solidFill>
-                        <a:effectLst/>
-                        <a:latin typeface="Segoe UI" panose="020B0502040204020203" pitchFamily="34" charset="0"/>
-                      </a:endParaRPr>
-                    </a:p>
-                  </a:txBody>
-                  <a:tcPr marL="9525" marR="9525" marT="38100" marB="38100" anchor="ctr"/>
-                </a:tc>
-                <a:tc>
-                  <a:txBody>
-                    <a:bodyPr/>
-                    <a:lstStyle/>
-                    <a:p>
-                      <a:pPr algn="ctr" fontAlgn="ctr"/>
-                      <a:r>
-                        <a:rPr lang="en-GB" sz="1100" u="none" strike="noStrike" dirty="0">
-                          <a:effectLst/>
-                        </a:rPr>
-                        <a:t>1000</a:t>
-                      </a:r>
-                      <a:endParaRPr lang="en-GB" sz="1100" b="0" i="0" u="none" strike="noStrike" dirty="0">
-                        <a:solidFill>
-                          <a:srgbClr val="000000"/>
-                        </a:solidFill>
-                        <a:effectLst/>
-                        <a:latin typeface="Segoe UI" panose="020B0502040204020203" pitchFamily="34" charset="0"/>
-                      </a:endParaRPr>
-                    </a:p>
-                  </a:txBody>
-                  <a:tcPr marL="9525" marR="9525" marT="38100" marB="38100" anchor="ctr"/>
-                </a:tc>
-                <a:extLst>
-                  <a:ext uri="{0D108BD9-81ED-4DB2-BD59-A6C34878D82A}">
-                    <a16:rowId xmlns:a16="http://schemas.microsoft.com/office/drawing/2014/main" val="3261261968"/>
-                  </a:ext>
-                </a:extLst>
-              </a:tr>
-              <a:tr h="209550">
-                <a:tc>
-                  <a:txBody>
-                    <a:bodyPr/>
-                    <a:lstStyle/>
-                    <a:p>
-                      <a:pPr algn="l" fontAlgn="ctr"/>
-                      <a:r>
-                        <a:rPr lang="en-GB" sz="1100" u="none" strike="noStrike" dirty="0">
-                          <a:effectLst/>
-                        </a:rPr>
-                        <a:t>mean</a:t>
-                      </a:r>
-                      <a:endParaRPr lang="en-GB" sz="1100" b="0" i="0" u="none" strike="noStrike" dirty="0">
-                        <a:solidFill>
-                          <a:srgbClr val="FFFFFF"/>
-                        </a:solidFill>
-                        <a:effectLst/>
-                        <a:latin typeface="Segoe UI" panose="020B0502040204020203" pitchFamily="34" charset="0"/>
-                      </a:endParaRPr>
-                    </a:p>
-                  </a:txBody>
-                  <a:tcPr marL="9525" marR="9525" marT="9525" marB="0" anchor="ctr"/>
-                </a:tc>
-                <a:tc>
-                  <a:txBody>
-                    <a:bodyPr/>
-                    <a:lstStyle/>
-                    <a:p>
-                      <a:pPr algn="ctr" fontAlgn="ctr"/>
-                      <a:r>
-                        <a:rPr lang="en-GB" sz="1100" u="none" strike="noStrike" dirty="0">
-                          <a:effectLst/>
-                        </a:rPr>
-                        <a:t>0.374</a:t>
-                      </a:r>
-                      <a:endParaRPr lang="en-GB" sz="1100" b="0" i="0" u="none" strike="noStrike" dirty="0">
-                        <a:solidFill>
-                          <a:srgbClr val="000000"/>
-                        </a:solidFill>
-                        <a:effectLst/>
-                        <a:latin typeface="Segoe UI" panose="020B0502040204020203" pitchFamily="34" charset="0"/>
-                      </a:endParaRPr>
-                    </a:p>
-                  </a:txBody>
-                  <a:tcPr marL="9525" marR="9525" marT="38100" marB="38100" anchor="ctr"/>
-                </a:tc>
-                <a:tc>
-                  <a:txBody>
-                    <a:bodyPr/>
-                    <a:lstStyle/>
-                    <a:p>
-                      <a:pPr algn="ctr" fontAlgn="ctr"/>
-                      <a:r>
-                        <a:rPr lang="en-GB" sz="1100" u="none" strike="noStrike" dirty="0">
-                          <a:effectLst/>
-                        </a:rPr>
-                        <a:t>0.380</a:t>
-                      </a:r>
-                      <a:endParaRPr lang="en-GB" sz="1100" b="0" i="0" u="none" strike="noStrike" dirty="0">
-                        <a:solidFill>
-                          <a:srgbClr val="000000"/>
-                        </a:solidFill>
-                        <a:effectLst/>
-                        <a:latin typeface="Segoe UI" panose="020B0502040204020203" pitchFamily="34" charset="0"/>
-                      </a:endParaRPr>
-                    </a:p>
-                  </a:txBody>
-                  <a:tcPr marL="9525" marR="9525" marT="38100" marB="38100" anchor="ctr"/>
-                </a:tc>
-                <a:tc>
-                  <a:txBody>
-                    <a:bodyPr/>
-                    <a:lstStyle/>
-                    <a:p>
-                      <a:pPr algn="ctr" fontAlgn="ctr"/>
-                      <a:r>
-                        <a:rPr lang="en-GB" sz="1100" u="none" strike="noStrike" dirty="0">
-                          <a:effectLst/>
-                        </a:rPr>
-                        <a:t>0.459</a:t>
-                      </a:r>
-                      <a:endParaRPr lang="en-GB" sz="1100" b="0" i="0" u="none" strike="noStrike" dirty="0">
-                        <a:solidFill>
-                          <a:srgbClr val="000000"/>
-                        </a:solidFill>
-                        <a:effectLst/>
-                        <a:latin typeface="Segoe UI" panose="020B0502040204020203" pitchFamily="34" charset="0"/>
-                      </a:endParaRPr>
-                    </a:p>
-                  </a:txBody>
-                  <a:tcPr marL="9525" marR="9525" marT="38100" marB="38100" anchor="ctr"/>
-                </a:tc>
-                <a:extLst>
-                  <a:ext uri="{0D108BD9-81ED-4DB2-BD59-A6C34878D82A}">
-                    <a16:rowId xmlns:a16="http://schemas.microsoft.com/office/drawing/2014/main" val="1497719509"/>
-                  </a:ext>
-                </a:extLst>
-              </a:tr>
-              <a:tr h="209550">
-                <a:tc>
-                  <a:txBody>
-                    <a:bodyPr/>
-                    <a:lstStyle/>
-                    <a:p>
-                      <a:pPr algn="l" fontAlgn="ctr"/>
-                      <a:r>
-                        <a:rPr lang="en-GB" sz="1100" u="none" strike="noStrike" dirty="0">
-                          <a:effectLst/>
-                        </a:rPr>
-                        <a:t>std</a:t>
-                      </a:r>
-                      <a:endParaRPr lang="en-GB" sz="1100" b="0" i="0" u="none" strike="noStrike" dirty="0">
-                        <a:solidFill>
-                          <a:srgbClr val="FFFFFF"/>
-                        </a:solidFill>
-                        <a:effectLst/>
-                        <a:latin typeface="Segoe UI" panose="020B0502040204020203" pitchFamily="34" charset="0"/>
-                      </a:endParaRPr>
-                    </a:p>
-                  </a:txBody>
-                  <a:tcPr marL="9525" marR="9525" marT="9525" marB="0" anchor="ctr"/>
-                </a:tc>
-                <a:tc>
-                  <a:txBody>
-                    <a:bodyPr/>
-                    <a:lstStyle/>
-                    <a:p>
-                      <a:pPr algn="ctr" fontAlgn="ctr"/>
-                      <a:r>
-                        <a:rPr lang="en-GB" sz="1100" u="none" strike="noStrike">
-                          <a:effectLst/>
-                        </a:rPr>
-                        <a:t>0.236</a:t>
-                      </a:r>
-                      <a:endParaRPr lang="en-GB" sz="1100" b="0" i="0" u="none" strike="noStrike">
-                        <a:solidFill>
-                          <a:srgbClr val="000000"/>
-                        </a:solidFill>
-                        <a:effectLst/>
-                        <a:latin typeface="Segoe UI" panose="020B0502040204020203" pitchFamily="34" charset="0"/>
-                      </a:endParaRPr>
-                    </a:p>
-                  </a:txBody>
-                  <a:tcPr marL="9525" marR="9525" marT="38100" marB="38100" anchor="ctr"/>
-                </a:tc>
-                <a:tc>
-                  <a:txBody>
-                    <a:bodyPr/>
-                    <a:lstStyle/>
-                    <a:p>
-                      <a:pPr algn="ctr" fontAlgn="ctr"/>
-                      <a:r>
-                        <a:rPr lang="en-GB" sz="1100" u="none" strike="noStrike">
-                          <a:effectLst/>
-                        </a:rPr>
-                        <a:t>0.227</a:t>
-                      </a:r>
-                      <a:endParaRPr lang="en-GB" sz="1100" b="0" i="0" u="none" strike="noStrike">
-                        <a:solidFill>
-                          <a:srgbClr val="000000"/>
-                        </a:solidFill>
-                        <a:effectLst/>
-                        <a:latin typeface="Segoe UI" panose="020B0502040204020203" pitchFamily="34" charset="0"/>
-                      </a:endParaRPr>
-                    </a:p>
-                  </a:txBody>
-                  <a:tcPr marL="9525" marR="9525" marT="38100" marB="38100" anchor="ctr"/>
-                </a:tc>
-                <a:tc>
-                  <a:txBody>
-                    <a:bodyPr/>
-                    <a:lstStyle/>
-                    <a:p>
-                      <a:pPr algn="ctr" fontAlgn="ctr"/>
-                      <a:r>
-                        <a:rPr lang="en-GB" sz="1100" u="none" strike="noStrike" dirty="0">
-                          <a:effectLst/>
-                        </a:rPr>
-                        <a:t>0.180</a:t>
-                      </a:r>
-                      <a:endParaRPr lang="en-GB" sz="1100" b="0" i="0" u="none" strike="noStrike" dirty="0">
-                        <a:solidFill>
-                          <a:srgbClr val="000000"/>
-                        </a:solidFill>
-                        <a:effectLst/>
-                        <a:latin typeface="Segoe UI" panose="020B0502040204020203" pitchFamily="34" charset="0"/>
-                      </a:endParaRPr>
-                    </a:p>
-                  </a:txBody>
-                  <a:tcPr marL="9525" marR="9525" marT="38100" marB="38100" anchor="ctr"/>
-                </a:tc>
-                <a:extLst>
-                  <a:ext uri="{0D108BD9-81ED-4DB2-BD59-A6C34878D82A}">
-                    <a16:rowId xmlns:a16="http://schemas.microsoft.com/office/drawing/2014/main" val="3501488889"/>
-                  </a:ext>
-                </a:extLst>
-              </a:tr>
-              <a:tr h="209550">
-                <a:tc>
-                  <a:txBody>
-                    <a:bodyPr/>
-                    <a:lstStyle/>
-                    <a:p>
-                      <a:pPr algn="l" fontAlgn="ctr"/>
-                      <a:r>
-                        <a:rPr lang="en-GB" sz="1100" u="none" strike="noStrike">
-                          <a:effectLst/>
-                        </a:rPr>
-                        <a:t>min</a:t>
-                      </a:r>
-                      <a:endParaRPr lang="en-GB" sz="1100" b="0" i="0" u="none" strike="noStrike">
-                        <a:solidFill>
-                          <a:srgbClr val="FFFFFF"/>
-                        </a:solidFill>
-                        <a:effectLst/>
-                        <a:latin typeface="Segoe UI" panose="020B0502040204020203" pitchFamily="34" charset="0"/>
-                      </a:endParaRPr>
-                    </a:p>
-                  </a:txBody>
-                  <a:tcPr marL="9525" marR="9525" marT="9525" marB="0" anchor="ctr"/>
-                </a:tc>
-                <a:tc>
-                  <a:txBody>
-                    <a:bodyPr/>
-                    <a:lstStyle/>
-                    <a:p>
-                      <a:pPr algn="ctr" fontAlgn="ctr"/>
-                      <a:r>
-                        <a:rPr lang="en-GB" sz="1100" u="none" strike="noStrike">
-                          <a:effectLst/>
-                        </a:rPr>
-                        <a:t>0.002</a:t>
-                      </a:r>
-                      <a:endParaRPr lang="en-GB" sz="1100" b="0" i="0" u="none" strike="noStrike">
-                        <a:solidFill>
-                          <a:srgbClr val="000000"/>
-                        </a:solidFill>
-                        <a:effectLst/>
-                        <a:latin typeface="Segoe UI" panose="020B0502040204020203" pitchFamily="34" charset="0"/>
-                      </a:endParaRPr>
-                    </a:p>
-                  </a:txBody>
-                  <a:tcPr marL="9525" marR="9525" marT="38100" marB="38100" anchor="ctr"/>
-                </a:tc>
-                <a:tc>
-                  <a:txBody>
-                    <a:bodyPr/>
-                    <a:lstStyle/>
-                    <a:p>
-                      <a:pPr algn="ctr" fontAlgn="ctr"/>
-                      <a:r>
-                        <a:rPr lang="en-GB" sz="1100" u="none" strike="noStrike">
-                          <a:effectLst/>
-                        </a:rPr>
-                        <a:t>0.002</a:t>
-                      </a:r>
-                      <a:endParaRPr lang="en-GB" sz="1100" b="0" i="0" u="none" strike="noStrike">
-                        <a:solidFill>
-                          <a:srgbClr val="000000"/>
-                        </a:solidFill>
-                        <a:effectLst/>
-                        <a:latin typeface="Segoe UI" panose="020B0502040204020203" pitchFamily="34" charset="0"/>
-                      </a:endParaRPr>
-                    </a:p>
-                  </a:txBody>
-                  <a:tcPr marL="9525" marR="9525" marT="38100" marB="38100" anchor="ctr"/>
-                </a:tc>
-                <a:tc>
-                  <a:txBody>
-                    <a:bodyPr/>
-                    <a:lstStyle/>
-                    <a:p>
-                      <a:pPr algn="ctr" fontAlgn="ctr"/>
-                      <a:r>
-                        <a:rPr lang="en-GB" sz="1100" u="none" strike="noStrike" dirty="0">
-                          <a:effectLst/>
-                        </a:rPr>
-                        <a:t>0.077</a:t>
-                      </a:r>
-                      <a:endParaRPr lang="en-GB" sz="1100" b="0" i="0" u="none" strike="noStrike" dirty="0">
-                        <a:solidFill>
-                          <a:srgbClr val="000000"/>
-                        </a:solidFill>
-                        <a:effectLst/>
-                        <a:latin typeface="Segoe UI" panose="020B0502040204020203" pitchFamily="34" charset="0"/>
-                      </a:endParaRPr>
-                    </a:p>
-                  </a:txBody>
-                  <a:tcPr marL="9525" marR="9525" marT="38100" marB="38100" anchor="ctr"/>
-                </a:tc>
-                <a:extLst>
-                  <a:ext uri="{0D108BD9-81ED-4DB2-BD59-A6C34878D82A}">
-                    <a16:rowId xmlns:a16="http://schemas.microsoft.com/office/drawing/2014/main" val="2727116763"/>
-                  </a:ext>
-                </a:extLst>
-              </a:tr>
-              <a:tr h="209550">
-                <a:tc>
-                  <a:txBody>
-                    <a:bodyPr/>
-                    <a:lstStyle/>
-                    <a:p>
-                      <a:pPr algn="l" fontAlgn="ctr"/>
-                      <a:r>
-                        <a:rPr lang="en-GB" sz="1100" u="none" strike="noStrike">
-                          <a:effectLst/>
-                        </a:rPr>
-                        <a:t>25%</a:t>
-                      </a:r>
-                      <a:endParaRPr lang="en-GB" sz="1100" b="0" i="0" u="none" strike="noStrike">
-                        <a:solidFill>
-                          <a:srgbClr val="FFFFFF"/>
-                        </a:solidFill>
-                        <a:effectLst/>
-                        <a:latin typeface="Segoe UI" panose="020B0502040204020203" pitchFamily="34" charset="0"/>
-                      </a:endParaRPr>
-                    </a:p>
-                  </a:txBody>
-                  <a:tcPr marL="9525" marR="9525" marT="9525" marB="0" anchor="ctr"/>
-                </a:tc>
-                <a:tc>
-                  <a:txBody>
-                    <a:bodyPr/>
-                    <a:lstStyle/>
-                    <a:p>
-                      <a:pPr algn="ctr" fontAlgn="ctr"/>
-                      <a:r>
-                        <a:rPr lang="en-GB" sz="1100" u="none" strike="noStrike">
-                          <a:effectLst/>
-                        </a:rPr>
-                        <a:t>0.192</a:t>
-                      </a:r>
-                      <a:endParaRPr lang="en-GB" sz="1100" b="0" i="0" u="none" strike="noStrike">
-                        <a:solidFill>
-                          <a:srgbClr val="000000"/>
-                        </a:solidFill>
-                        <a:effectLst/>
-                        <a:latin typeface="Segoe UI" panose="020B0502040204020203" pitchFamily="34" charset="0"/>
-                      </a:endParaRPr>
-                    </a:p>
-                  </a:txBody>
-                  <a:tcPr marL="9525" marR="9525" marT="38100" marB="38100" anchor="ctr"/>
-                </a:tc>
-                <a:tc>
-                  <a:txBody>
-                    <a:bodyPr/>
-                    <a:lstStyle/>
-                    <a:p>
-                      <a:pPr algn="ctr" fontAlgn="ctr"/>
-                      <a:r>
-                        <a:rPr lang="en-GB" sz="1100" u="none" strike="noStrike">
-                          <a:effectLst/>
-                        </a:rPr>
-                        <a:t>0.225</a:t>
-                      </a:r>
-                      <a:endParaRPr lang="en-GB" sz="1100" b="0" i="0" u="none" strike="noStrike">
-                        <a:solidFill>
-                          <a:srgbClr val="000000"/>
-                        </a:solidFill>
-                        <a:effectLst/>
-                        <a:latin typeface="Segoe UI" panose="020B0502040204020203" pitchFamily="34" charset="0"/>
-                      </a:endParaRPr>
-                    </a:p>
-                  </a:txBody>
-                  <a:tcPr marL="9525" marR="9525" marT="38100" marB="38100" anchor="ctr"/>
-                </a:tc>
-                <a:tc>
-                  <a:txBody>
-                    <a:bodyPr/>
-                    <a:lstStyle/>
-                    <a:p>
-                      <a:pPr algn="ctr" fontAlgn="ctr"/>
-                      <a:r>
-                        <a:rPr lang="en-GB" sz="1100" u="none" strike="noStrike" dirty="0">
-                          <a:effectLst/>
-                        </a:rPr>
-                        <a:t>0.329</a:t>
-                      </a:r>
-                      <a:endParaRPr lang="en-GB" sz="1100" b="0" i="0" u="none" strike="noStrike" dirty="0">
-                        <a:solidFill>
-                          <a:srgbClr val="000000"/>
-                        </a:solidFill>
-                        <a:effectLst/>
-                        <a:latin typeface="Segoe UI" panose="020B0502040204020203" pitchFamily="34" charset="0"/>
-                      </a:endParaRPr>
-                    </a:p>
-                  </a:txBody>
-                  <a:tcPr marL="9525" marR="9525" marT="38100" marB="38100" anchor="ctr"/>
-                </a:tc>
-                <a:extLst>
-                  <a:ext uri="{0D108BD9-81ED-4DB2-BD59-A6C34878D82A}">
-                    <a16:rowId xmlns:a16="http://schemas.microsoft.com/office/drawing/2014/main" val="776700859"/>
-                  </a:ext>
-                </a:extLst>
-              </a:tr>
-              <a:tr h="209550">
-                <a:tc>
-                  <a:txBody>
-                    <a:bodyPr/>
-                    <a:lstStyle/>
-                    <a:p>
-                      <a:pPr algn="l" fontAlgn="ctr"/>
-                      <a:r>
-                        <a:rPr lang="en-GB" sz="1100" u="none" strike="noStrike">
-                          <a:effectLst/>
-                        </a:rPr>
-                        <a:t>50%</a:t>
-                      </a:r>
-                      <a:endParaRPr lang="en-GB" sz="1100" b="0" i="0" u="none" strike="noStrike">
-                        <a:solidFill>
-                          <a:srgbClr val="FFFFFF"/>
-                        </a:solidFill>
-                        <a:effectLst/>
-                        <a:latin typeface="Segoe UI" panose="020B0502040204020203" pitchFamily="34" charset="0"/>
-                      </a:endParaRPr>
-                    </a:p>
-                  </a:txBody>
-                  <a:tcPr marL="9525" marR="9525" marT="9525" marB="0" anchor="ctr"/>
-                </a:tc>
-                <a:tc>
-                  <a:txBody>
-                    <a:bodyPr/>
-                    <a:lstStyle/>
-                    <a:p>
-                      <a:pPr algn="ctr" fontAlgn="ctr"/>
-                      <a:r>
-                        <a:rPr lang="en-GB" sz="1100" u="none" strike="noStrike">
-                          <a:effectLst/>
-                        </a:rPr>
-                        <a:t>0.355</a:t>
-                      </a:r>
-                      <a:endParaRPr lang="en-GB" sz="1100" b="0" i="0" u="none" strike="noStrike">
-                        <a:solidFill>
-                          <a:srgbClr val="000000"/>
-                        </a:solidFill>
-                        <a:effectLst/>
-                        <a:latin typeface="Segoe UI" panose="020B0502040204020203" pitchFamily="34" charset="0"/>
-                      </a:endParaRPr>
-                    </a:p>
-                  </a:txBody>
-                  <a:tcPr marL="9525" marR="9525" marT="38100" marB="38100" anchor="ctr"/>
-                </a:tc>
-                <a:tc>
-                  <a:txBody>
-                    <a:bodyPr/>
-                    <a:lstStyle/>
-                    <a:p>
-                      <a:pPr algn="ctr" fontAlgn="ctr"/>
-                      <a:r>
-                        <a:rPr lang="en-GB" sz="1100" u="none" strike="noStrike">
-                          <a:effectLst/>
-                        </a:rPr>
-                        <a:t>0.361</a:t>
-                      </a:r>
-                      <a:endParaRPr lang="en-GB" sz="1100" b="0" i="0" u="none" strike="noStrike">
-                        <a:solidFill>
-                          <a:srgbClr val="000000"/>
-                        </a:solidFill>
-                        <a:effectLst/>
-                        <a:latin typeface="Segoe UI" panose="020B0502040204020203" pitchFamily="34" charset="0"/>
-                      </a:endParaRPr>
-                    </a:p>
-                  </a:txBody>
-                  <a:tcPr marL="9525" marR="9525" marT="38100" marB="38100" anchor="ctr"/>
-                </a:tc>
-                <a:tc>
-                  <a:txBody>
-                    <a:bodyPr/>
-                    <a:lstStyle/>
-                    <a:p>
-                      <a:pPr algn="ctr" fontAlgn="ctr"/>
-                      <a:r>
-                        <a:rPr lang="en-GB" sz="1100" u="none" strike="noStrike">
-                          <a:effectLst/>
-                        </a:rPr>
-                        <a:t>0.412</a:t>
-                      </a:r>
-                      <a:endParaRPr lang="en-GB" sz="1100" b="0" i="0" u="none" strike="noStrike">
-                        <a:solidFill>
-                          <a:srgbClr val="000000"/>
-                        </a:solidFill>
-                        <a:effectLst/>
-                        <a:latin typeface="Segoe UI" panose="020B0502040204020203" pitchFamily="34" charset="0"/>
-                      </a:endParaRPr>
-                    </a:p>
-                  </a:txBody>
-                  <a:tcPr marL="9525" marR="9525" marT="38100" marB="38100" anchor="ctr"/>
-                </a:tc>
-                <a:extLst>
-                  <a:ext uri="{0D108BD9-81ED-4DB2-BD59-A6C34878D82A}">
-                    <a16:rowId xmlns:a16="http://schemas.microsoft.com/office/drawing/2014/main" val="3059555444"/>
-                  </a:ext>
-                </a:extLst>
-              </a:tr>
-              <a:tr h="209550">
-                <a:tc>
-                  <a:txBody>
-                    <a:bodyPr/>
-                    <a:lstStyle/>
-                    <a:p>
-                      <a:pPr algn="l" fontAlgn="ctr"/>
-                      <a:r>
-                        <a:rPr lang="en-GB" sz="1100" u="none" strike="noStrike">
-                          <a:effectLst/>
-                        </a:rPr>
-                        <a:t>75%</a:t>
-                      </a:r>
-                      <a:endParaRPr lang="en-GB" sz="1100" b="0" i="0" u="none" strike="noStrike">
-                        <a:solidFill>
-                          <a:srgbClr val="FFFFFF"/>
-                        </a:solidFill>
-                        <a:effectLst/>
-                        <a:latin typeface="Segoe UI" panose="020B0502040204020203" pitchFamily="34" charset="0"/>
-                      </a:endParaRPr>
-                    </a:p>
-                  </a:txBody>
-                  <a:tcPr marL="9525" marR="9525" marT="9525" marB="0" anchor="ctr"/>
-                </a:tc>
-                <a:tc>
-                  <a:txBody>
-                    <a:bodyPr/>
-                    <a:lstStyle/>
-                    <a:p>
-                      <a:pPr algn="ctr" fontAlgn="ctr"/>
-                      <a:r>
-                        <a:rPr lang="en-GB" sz="1100" u="none" strike="noStrike">
-                          <a:effectLst/>
-                        </a:rPr>
-                        <a:t>0.548</a:t>
-                      </a:r>
-                      <a:endParaRPr lang="en-GB" sz="1100" b="0" i="0" u="none" strike="noStrike">
-                        <a:solidFill>
-                          <a:srgbClr val="000000"/>
-                        </a:solidFill>
-                        <a:effectLst/>
-                        <a:latin typeface="Segoe UI" panose="020B0502040204020203" pitchFamily="34" charset="0"/>
-                      </a:endParaRPr>
-                    </a:p>
-                  </a:txBody>
-                  <a:tcPr marL="9525" marR="9525" marT="38100" marB="38100" anchor="ctr"/>
-                </a:tc>
-                <a:tc>
-                  <a:txBody>
-                    <a:bodyPr/>
-                    <a:lstStyle/>
-                    <a:p>
-                      <a:pPr algn="ctr" fontAlgn="ctr"/>
-                      <a:r>
-                        <a:rPr lang="en-GB" sz="1100" u="none" strike="noStrike">
-                          <a:effectLst/>
-                        </a:rPr>
-                        <a:t>0.539</a:t>
-                      </a:r>
-                      <a:endParaRPr lang="en-GB" sz="1100" b="0" i="0" u="none" strike="noStrike">
-                        <a:solidFill>
-                          <a:srgbClr val="000000"/>
-                        </a:solidFill>
-                        <a:effectLst/>
-                        <a:latin typeface="Segoe UI" panose="020B0502040204020203" pitchFamily="34" charset="0"/>
-                      </a:endParaRPr>
-                    </a:p>
-                  </a:txBody>
-                  <a:tcPr marL="9525" marR="9525" marT="38100" marB="38100" anchor="ctr"/>
-                </a:tc>
-                <a:tc>
-                  <a:txBody>
-                    <a:bodyPr/>
-                    <a:lstStyle/>
-                    <a:p>
-                      <a:pPr algn="ctr" fontAlgn="ctr"/>
-                      <a:r>
-                        <a:rPr lang="en-GB" sz="1100" u="none" strike="noStrike" dirty="0">
-                          <a:effectLst/>
-                        </a:rPr>
-                        <a:t>0.583</a:t>
-                      </a:r>
-                      <a:endParaRPr lang="en-GB" sz="1100" b="0" i="0" u="none" strike="noStrike" dirty="0">
-                        <a:solidFill>
-                          <a:srgbClr val="000000"/>
-                        </a:solidFill>
-                        <a:effectLst/>
-                        <a:latin typeface="Segoe UI" panose="020B0502040204020203" pitchFamily="34" charset="0"/>
-                      </a:endParaRPr>
-                    </a:p>
-                  </a:txBody>
-                  <a:tcPr marL="9525" marR="9525" marT="38100" marB="38100" anchor="ctr"/>
-                </a:tc>
-                <a:extLst>
-                  <a:ext uri="{0D108BD9-81ED-4DB2-BD59-A6C34878D82A}">
-                    <a16:rowId xmlns:a16="http://schemas.microsoft.com/office/drawing/2014/main" val="3783032705"/>
-                  </a:ext>
-                </a:extLst>
-              </a:tr>
-              <a:tr h="209550">
-                <a:tc>
-                  <a:txBody>
-                    <a:bodyPr/>
-                    <a:lstStyle/>
-                    <a:p>
-                      <a:pPr algn="l" fontAlgn="ctr"/>
-                      <a:r>
-                        <a:rPr lang="en-GB" sz="1100" u="none" strike="noStrike" dirty="0">
-                          <a:effectLst/>
-                        </a:rPr>
-                        <a:t>max</a:t>
-                      </a:r>
-                      <a:endParaRPr lang="en-GB" sz="1100" b="0" i="0" u="none" strike="noStrike" dirty="0">
-                        <a:solidFill>
-                          <a:srgbClr val="FFFFFF"/>
-                        </a:solidFill>
-                        <a:effectLst/>
-                        <a:latin typeface="Segoe UI" panose="020B0502040204020203" pitchFamily="34" charset="0"/>
-                      </a:endParaRPr>
-                    </a:p>
-                  </a:txBody>
-                  <a:tcPr marL="9525" marR="9525" marT="9525" marB="0" anchor="ctr"/>
-                </a:tc>
-                <a:tc>
-                  <a:txBody>
-                    <a:bodyPr/>
-                    <a:lstStyle/>
-                    <a:p>
-                      <a:pPr algn="ctr" fontAlgn="ctr"/>
-                      <a:r>
-                        <a:rPr lang="en-GB" sz="1100" u="none" strike="noStrike">
-                          <a:effectLst/>
-                        </a:rPr>
-                        <a:t>0.941</a:t>
-                      </a:r>
-                      <a:endParaRPr lang="en-GB" sz="1100" b="0" i="0" u="none" strike="noStrike">
-                        <a:solidFill>
-                          <a:srgbClr val="000000"/>
-                        </a:solidFill>
-                        <a:effectLst/>
-                        <a:latin typeface="Segoe UI" panose="020B0502040204020203" pitchFamily="34" charset="0"/>
-                      </a:endParaRPr>
-                    </a:p>
-                  </a:txBody>
-                  <a:tcPr marL="9525" marR="9525" marT="38100" marB="38100" anchor="ctr"/>
-                </a:tc>
-                <a:tc>
-                  <a:txBody>
-                    <a:bodyPr/>
-                    <a:lstStyle/>
-                    <a:p>
-                      <a:pPr algn="ctr" fontAlgn="ctr"/>
-                      <a:r>
-                        <a:rPr lang="en-GB" sz="1100" u="none" strike="noStrike">
-                          <a:effectLst/>
-                        </a:rPr>
-                        <a:t>0.902</a:t>
-                      </a:r>
-                      <a:endParaRPr lang="en-GB" sz="1100" b="0" i="0" u="none" strike="noStrike">
-                        <a:solidFill>
-                          <a:srgbClr val="000000"/>
-                        </a:solidFill>
-                        <a:effectLst/>
-                        <a:latin typeface="Segoe UI" panose="020B0502040204020203" pitchFamily="34" charset="0"/>
-                      </a:endParaRPr>
-                    </a:p>
-                  </a:txBody>
-                  <a:tcPr marL="9525" marR="9525" marT="38100" marB="38100" anchor="ctr"/>
-                </a:tc>
-                <a:tc>
-                  <a:txBody>
-                    <a:bodyPr/>
-                    <a:lstStyle/>
-                    <a:p>
-                      <a:pPr algn="ctr" fontAlgn="ctr"/>
-                      <a:r>
-                        <a:rPr lang="en-GB" sz="1100" u="none" strike="noStrike" dirty="0">
-                          <a:effectLst/>
-                        </a:rPr>
-                        <a:t>0.917</a:t>
-                      </a:r>
-                      <a:endParaRPr lang="en-GB" sz="1100" b="0" i="0" u="none" strike="noStrike" dirty="0">
-                        <a:solidFill>
-                          <a:srgbClr val="000000"/>
-                        </a:solidFill>
-                        <a:effectLst/>
-                        <a:latin typeface="Segoe UI" panose="020B0502040204020203" pitchFamily="34" charset="0"/>
-                      </a:endParaRPr>
-                    </a:p>
-                  </a:txBody>
-                  <a:tcPr marL="9525" marR="9525" marT="38100" marB="38100" anchor="ctr"/>
-                </a:tc>
-                <a:extLst>
-                  <a:ext uri="{0D108BD9-81ED-4DB2-BD59-A6C34878D82A}">
-                    <a16:rowId xmlns:a16="http://schemas.microsoft.com/office/drawing/2014/main" val="916766561"/>
-                  </a:ext>
-                </a:extLst>
-              </a:tr>
-            </a:tbl>
-          </a:graphicData>
-        </a:graphic>
-      </p:graphicFrame>
       <p:cxnSp>
         <p:nvCxnSpPr>
           <p:cNvPr id="11" name="Straight Arrow Connector 10">
@@ -6082,13 +5250,15 @@
               </a:ext>
             </a:extLst>
           </p:cNvPr>
-          <p:cNvCxnSpPr/>
+          <p:cNvCxnSpPr>
+            <a:cxnSpLocks/>
+          </p:cNvCxnSpPr>
           <p:nvPr/>
         </p:nvCxnSpPr>
         <p:spPr>
           <a:xfrm flipV="1">
-            <a:off x="7296912" y="1257300"/>
-            <a:ext cx="1042416" cy="1568196"/>
+            <a:off x="7040880" y="1161288"/>
+            <a:ext cx="960120" cy="1609344"/>
           </a:xfrm>
           <a:prstGeom prst="straightConnector1">
             <a:avLst/>
@@ -6322,35 +5492,7 @@
             </a:pPr>
             <a:r>
               <a:rPr lang="en-US" sz="1400" b="1" dirty="0"/>
-              <a:t>Monitor Performance:</a:t>
-            </a:r>
-            <a:r>
-              <a:rPr lang="en-US" sz="1400" dirty="0"/>
-              <a:t> Continuously track model performance on new data to ensure stability and accuracy over time.</a:t>
-            </a:r>
-          </a:p>
-          <a:p>
-            <a:pPr marL="285750" indent="-285750">
-              <a:buFont typeface="Arial" panose="020B0604020202020204" pitchFamily="34" charset="0"/>
-              <a:buChar char="•"/>
-            </a:pPr>
-            <a:r>
-              <a:rPr lang="en-US" sz="1400" b="1" dirty="0"/>
-              <a:t>Customer Communication: </a:t>
-            </a:r>
-            <a:r>
-              <a:rPr lang="en-US" sz="1400" dirty="0"/>
-              <a:t>Use insights from the model to proactively communicate potential delays to customers and improve service quality.</a:t>
-            </a:r>
-          </a:p>
-          <a:p>
-            <a:pPr marL="285750" indent="-285750">
-              <a:buFont typeface="Arial" panose="020B0604020202020204" pitchFamily="34" charset="0"/>
-              <a:buChar char="•"/>
-            </a:pPr>
-            <a:r>
-              <a:rPr lang="en-US" sz="1400" b="1" dirty="0"/>
-              <a:t>Distance API</a:t>
+              <a:t>Shipment Distances</a:t>
             </a:r>
             <a:r>
               <a:rPr lang="en-GB" sz="1200" b="1" dirty="0"/>
@@ -6358,474 +5500,20 @@
             </a:r>
             <a:r>
               <a:rPr lang="en-GB" sz="1200" dirty="0"/>
-              <a:t>Work has begun on including predicted journey times in the analysis, however early results are somewhat muted. Work will continue to improve the understanding of how to use this information in the model.</a:t>
+              <a:t>Work has begun on including predicted jo</a:t>
+            </a:r>
+            <a:r>
+              <a:rPr lang="en-GB" sz="1200" i="1" dirty="0"/>
+              <a:t>urney </a:t>
+            </a:r>
+            <a:r>
+              <a:rPr lang="en-GB" sz="1200" dirty="0"/>
+              <a:t>times in the analysis, however early results are somewhat muted. Work will continue to improve the understanding of how to use this information in the model.</a:t>
             </a:r>
             <a:endParaRPr lang="en-US" sz="1400" b="1" dirty="0"/>
           </a:p>
         </p:txBody>
       </p:sp>
-      <p:sp>
-        <p:nvSpPr>
-          <p:cNvPr id="9" name="Rectangle: Rounded Corners 8">
-            <a:extLst>
-              <a:ext uri="{FF2B5EF4-FFF2-40B4-BE49-F238E27FC236}">
-                <a16:creationId xmlns:a16="http://schemas.microsoft.com/office/drawing/2014/main" id="{36E3E457-2644-1AD8-B58A-31787A5EFC7F}"/>
-              </a:ext>
-            </a:extLst>
-          </p:cNvPr>
-          <p:cNvSpPr/>
-          <p:nvPr/>
-        </p:nvSpPr>
-        <p:spPr>
-          <a:xfrm>
-            <a:off x="9884664" y="1257300"/>
-            <a:ext cx="1536192" cy="882396"/>
-          </a:xfrm>
-          <a:prstGeom prst="roundRect">
-            <a:avLst/>
-          </a:prstGeom>
-          <a:solidFill>
-            <a:srgbClr val="BAC5D6"/>
-          </a:solidFill>
-        </p:spPr>
-        <p:style>
-          <a:lnRef idx="2">
-            <a:schemeClr val="accent1">
-              <a:shade val="15000"/>
-            </a:schemeClr>
-          </a:lnRef>
-          <a:fillRef idx="1">
-            <a:schemeClr val="accent1"/>
-          </a:fillRef>
-          <a:effectRef idx="0">
-            <a:schemeClr val="accent1"/>
-          </a:effectRef>
-          <a:fontRef idx="minor">
-            <a:schemeClr val="lt1"/>
-          </a:fontRef>
-        </p:style>
-        <p:txBody>
-          <a:bodyPr rtlCol="0" anchor="ctr"/>
-          <a:lstStyle/>
-          <a:p>
-            <a:pPr algn="ctr"/>
-            <a:r>
-              <a:rPr lang="en-US" dirty="0">
-                <a:solidFill>
-                  <a:schemeClr val="tx1"/>
-                </a:solidFill>
-              </a:rPr>
-              <a:t>Train</a:t>
-            </a:r>
-            <a:endParaRPr lang="en-GB" dirty="0">
-              <a:solidFill>
-                <a:schemeClr val="tx1"/>
-              </a:solidFill>
-            </a:endParaRPr>
-          </a:p>
-        </p:txBody>
-      </p:sp>
-      <p:sp>
-        <p:nvSpPr>
-          <p:cNvPr id="10" name="Rectangle: Rounded Corners 9">
-            <a:extLst>
-              <a:ext uri="{FF2B5EF4-FFF2-40B4-BE49-F238E27FC236}">
-                <a16:creationId xmlns:a16="http://schemas.microsoft.com/office/drawing/2014/main" id="{A4DB8093-E07B-1E0D-31C5-24DE4DEDA089}"/>
-              </a:ext>
-            </a:extLst>
-          </p:cNvPr>
-          <p:cNvSpPr/>
-          <p:nvPr/>
-        </p:nvSpPr>
-        <p:spPr>
-          <a:xfrm>
-            <a:off x="9884664" y="2946654"/>
-            <a:ext cx="1536192" cy="882396"/>
-          </a:xfrm>
-          <a:prstGeom prst="roundRect">
-            <a:avLst/>
-          </a:prstGeom>
-          <a:solidFill>
-            <a:srgbClr val="BAC5D6"/>
-          </a:solidFill>
-        </p:spPr>
-        <p:style>
-          <a:lnRef idx="2">
-            <a:schemeClr val="accent1">
-              <a:shade val="15000"/>
-            </a:schemeClr>
-          </a:lnRef>
-          <a:fillRef idx="1">
-            <a:schemeClr val="accent1"/>
-          </a:fillRef>
-          <a:effectRef idx="0">
-            <a:schemeClr val="accent1"/>
-          </a:effectRef>
-          <a:fontRef idx="minor">
-            <a:schemeClr val="lt1"/>
-          </a:fontRef>
-        </p:style>
-        <p:txBody>
-          <a:bodyPr rtlCol="0" anchor="ctr"/>
-          <a:lstStyle/>
-          <a:p>
-            <a:pPr algn="ctr"/>
-            <a:r>
-              <a:rPr lang="en-US" dirty="0">
-                <a:solidFill>
-                  <a:schemeClr val="tx1"/>
-                </a:solidFill>
-              </a:rPr>
-              <a:t>Deploy</a:t>
-            </a:r>
-            <a:endParaRPr lang="en-GB" dirty="0">
-              <a:solidFill>
-                <a:schemeClr val="tx1"/>
-              </a:solidFill>
-            </a:endParaRPr>
-          </a:p>
-        </p:txBody>
-      </p:sp>
-      <p:sp>
-        <p:nvSpPr>
-          <p:cNvPr id="12" name="Rectangle: Rounded Corners 11">
-            <a:extLst>
-              <a:ext uri="{FF2B5EF4-FFF2-40B4-BE49-F238E27FC236}">
-                <a16:creationId xmlns:a16="http://schemas.microsoft.com/office/drawing/2014/main" id="{4DEBA4D3-A670-3996-B9AD-5CC83B036F19}"/>
-              </a:ext>
-            </a:extLst>
-          </p:cNvPr>
-          <p:cNvSpPr/>
-          <p:nvPr/>
-        </p:nvSpPr>
-        <p:spPr>
-          <a:xfrm>
-            <a:off x="7086600" y="2946654"/>
-            <a:ext cx="1536192" cy="882396"/>
-          </a:xfrm>
-          <a:prstGeom prst="roundRect">
-            <a:avLst/>
-          </a:prstGeom>
-          <a:solidFill>
-            <a:srgbClr val="BAC5D6"/>
-          </a:solidFill>
-        </p:spPr>
-        <p:style>
-          <a:lnRef idx="2">
-            <a:schemeClr val="accent1">
-              <a:shade val="15000"/>
-            </a:schemeClr>
-          </a:lnRef>
-          <a:fillRef idx="1">
-            <a:schemeClr val="accent1"/>
-          </a:fillRef>
-          <a:effectRef idx="0">
-            <a:schemeClr val="accent1"/>
-          </a:effectRef>
-          <a:fontRef idx="minor">
-            <a:schemeClr val="lt1"/>
-          </a:fontRef>
-        </p:style>
-        <p:txBody>
-          <a:bodyPr rtlCol="0" anchor="ctr"/>
-          <a:lstStyle/>
-          <a:p>
-            <a:pPr algn="ctr"/>
-            <a:r>
-              <a:rPr lang="en-US" dirty="0">
-                <a:solidFill>
-                  <a:schemeClr val="tx1"/>
-                </a:solidFill>
-              </a:rPr>
-              <a:t>Monitor</a:t>
-            </a:r>
-            <a:endParaRPr lang="en-GB" dirty="0">
-              <a:solidFill>
-                <a:schemeClr val="tx1"/>
-              </a:solidFill>
-            </a:endParaRPr>
-          </a:p>
-        </p:txBody>
-      </p:sp>
-      <p:sp>
-        <p:nvSpPr>
-          <p:cNvPr id="13" name="Rectangle: Rounded Corners 12">
-            <a:extLst>
-              <a:ext uri="{FF2B5EF4-FFF2-40B4-BE49-F238E27FC236}">
-                <a16:creationId xmlns:a16="http://schemas.microsoft.com/office/drawing/2014/main" id="{392A2BE3-7285-583C-6096-344C11ED2799}"/>
-              </a:ext>
-            </a:extLst>
-          </p:cNvPr>
-          <p:cNvSpPr/>
-          <p:nvPr/>
-        </p:nvSpPr>
-        <p:spPr>
-          <a:xfrm>
-            <a:off x="7086600" y="1257300"/>
-            <a:ext cx="1536192" cy="882396"/>
-          </a:xfrm>
-          <a:prstGeom prst="roundRect">
-            <a:avLst/>
-          </a:prstGeom>
-          <a:solidFill>
-            <a:srgbClr val="BAC5D6"/>
-          </a:solidFill>
-        </p:spPr>
-        <p:style>
-          <a:lnRef idx="2">
-            <a:schemeClr val="accent1">
-              <a:shade val="15000"/>
-            </a:schemeClr>
-          </a:lnRef>
-          <a:fillRef idx="1">
-            <a:schemeClr val="accent1"/>
-          </a:fillRef>
-          <a:effectRef idx="0">
-            <a:schemeClr val="accent1"/>
-          </a:effectRef>
-          <a:fontRef idx="minor">
-            <a:schemeClr val="lt1"/>
-          </a:fontRef>
-        </p:style>
-        <p:txBody>
-          <a:bodyPr rtlCol="0" anchor="ctr"/>
-          <a:lstStyle/>
-          <a:p>
-            <a:pPr algn="ctr"/>
-            <a:r>
-              <a:rPr lang="en-US" dirty="0">
-                <a:solidFill>
-                  <a:schemeClr val="tx1"/>
-                </a:solidFill>
-              </a:rPr>
-              <a:t>Develop</a:t>
-            </a:r>
-            <a:endParaRPr lang="en-GB" dirty="0">
-              <a:solidFill>
-                <a:schemeClr val="tx1"/>
-              </a:solidFill>
-            </a:endParaRPr>
-          </a:p>
-        </p:txBody>
-      </p:sp>
-      <p:cxnSp>
-        <p:nvCxnSpPr>
-          <p:cNvPr id="15" name="Straight Arrow Connector 14">
-            <a:extLst>
-              <a:ext uri="{FF2B5EF4-FFF2-40B4-BE49-F238E27FC236}">
-                <a16:creationId xmlns:a16="http://schemas.microsoft.com/office/drawing/2014/main" id="{8F2A0B12-2971-B459-8104-FE32B1106B5C}"/>
-              </a:ext>
-            </a:extLst>
-          </p:cNvPr>
-          <p:cNvCxnSpPr>
-            <a:stCxn id="13" idx="3"/>
-            <a:endCxn id="9" idx="1"/>
-          </p:cNvCxnSpPr>
-          <p:nvPr/>
-        </p:nvCxnSpPr>
-        <p:spPr>
-          <a:xfrm>
-            <a:off x="8622792" y="1698498"/>
-            <a:ext cx="1261872" cy="0"/>
-          </a:xfrm>
-          <a:prstGeom prst="straightConnector1">
-            <a:avLst/>
-          </a:prstGeom>
-          <a:ln>
-            <a:solidFill>
-              <a:schemeClr val="accent2"/>
-            </a:solidFill>
-            <a:tailEnd type="triangle"/>
-          </a:ln>
-        </p:spPr>
-        <p:style>
-          <a:lnRef idx="2">
-            <a:schemeClr val="accent1"/>
-          </a:lnRef>
-          <a:fillRef idx="0">
-            <a:schemeClr val="accent1"/>
-          </a:fillRef>
-          <a:effectRef idx="1">
-            <a:schemeClr val="accent1"/>
-          </a:effectRef>
-          <a:fontRef idx="minor">
-            <a:schemeClr val="tx1"/>
-          </a:fontRef>
-        </p:style>
-      </p:cxnSp>
-      <p:cxnSp>
-        <p:nvCxnSpPr>
-          <p:cNvPr id="16" name="Straight Arrow Connector 15">
-            <a:extLst>
-              <a:ext uri="{FF2B5EF4-FFF2-40B4-BE49-F238E27FC236}">
-                <a16:creationId xmlns:a16="http://schemas.microsoft.com/office/drawing/2014/main" id="{DBEEA8D7-8354-9083-150D-ECA5FF7616CC}"/>
-              </a:ext>
-            </a:extLst>
-          </p:cNvPr>
-          <p:cNvCxnSpPr>
-            <a:cxnSpLocks/>
-            <a:stCxn id="10" idx="1"/>
-            <a:endCxn id="12" idx="3"/>
-          </p:cNvCxnSpPr>
-          <p:nvPr/>
-        </p:nvCxnSpPr>
-        <p:spPr>
-          <a:xfrm flipH="1">
-            <a:off x="8622792" y="3387852"/>
-            <a:ext cx="1261872" cy="0"/>
-          </a:xfrm>
-          <a:prstGeom prst="straightConnector1">
-            <a:avLst/>
-          </a:prstGeom>
-          <a:ln>
-            <a:tailEnd type="triangle"/>
-          </a:ln>
-        </p:spPr>
-        <p:style>
-          <a:lnRef idx="2">
-            <a:schemeClr val="accent2"/>
-          </a:lnRef>
-          <a:fillRef idx="0">
-            <a:schemeClr val="accent2"/>
-          </a:fillRef>
-          <a:effectRef idx="1">
-            <a:schemeClr val="accent2"/>
-          </a:effectRef>
-          <a:fontRef idx="minor">
-            <a:schemeClr val="tx1"/>
-          </a:fontRef>
-        </p:style>
-      </p:cxnSp>
-      <p:cxnSp>
-        <p:nvCxnSpPr>
-          <p:cNvPr id="17" name="Straight Arrow Connector 16">
-            <a:extLst>
-              <a:ext uri="{FF2B5EF4-FFF2-40B4-BE49-F238E27FC236}">
-                <a16:creationId xmlns:a16="http://schemas.microsoft.com/office/drawing/2014/main" id="{A2C606A7-945B-7E92-28BE-451698A0E7D9}"/>
-              </a:ext>
-            </a:extLst>
-          </p:cNvPr>
-          <p:cNvCxnSpPr>
-            <a:cxnSpLocks/>
-            <a:stCxn id="9" idx="2"/>
-            <a:endCxn id="10" idx="0"/>
-          </p:cNvCxnSpPr>
-          <p:nvPr/>
-        </p:nvCxnSpPr>
-        <p:spPr>
-          <a:xfrm>
-            <a:off x="10652760" y="2139696"/>
-            <a:ext cx="0" cy="806958"/>
-          </a:xfrm>
-          <a:prstGeom prst="straightConnector1">
-            <a:avLst/>
-          </a:prstGeom>
-          <a:ln>
-            <a:solidFill>
-              <a:schemeClr val="accent2"/>
-            </a:solidFill>
-            <a:tailEnd type="triangle"/>
-          </a:ln>
-        </p:spPr>
-        <p:style>
-          <a:lnRef idx="2">
-            <a:schemeClr val="accent1"/>
-          </a:lnRef>
-          <a:fillRef idx="0">
-            <a:schemeClr val="accent1"/>
-          </a:fillRef>
-          <a:effectRef idx="1">
-            <a:schemeClr val="accent1"/>
-          </a:effectRef>
-          <a:fontRef idx="minor">
-            <a:schemeClr val="tx1"/>
-          </a:fontRef>
-        </p:style>
-      </p:cxnSp>
-      <p:cxnSp>
-        <p:nvCxnSpPr>
-          <p:cNvPr id="23" name="Straight Arrow Connector 22">
-            <a:extLst>
-              <a:ext uri="{FF2B5EF4-FFF2-40B4-BE49-F238E27FC236}">
-                <a16:creationId xmlns:a16="http://schemas.microsoft.com/office/drawing/2014/main" id="{E907A9F3-C7BD-332A-EDA7-DD3767D17D43}"/>
-              </a:ext>
-            </a:extLst>
-          </p:cNvPr>
-          <p:cNvCxnSpPr>
-            <a:cxnSpLocks/>
-            <a:stCxn id="12" idx="0"/>
-            <a:endCxn id="13" idx="2"/>
-          </p:cNvCxnSpPr>
-          <p:nvPr/>
-        </p:nvCxnSpPr>
-        <p:spPr>
-          <a:xfrm flipV="1">
-            <a:off x="7854696" y="2139696"/>
-            <a:ext cx="0" cy="806958"/>
-          </a:xfrm>
-          <a:prstGeom prst="straightConnector1">
-            <a:avLst/>
-          </a:prstGeom>
-          <a:ln>
-            <a:tailEnd type="triangle"/>
-          </a:ln>
-        </p:spPr>
-        <p:style>
-          <a:lnRef idx="2">
-            <a:schemeClr val="accent2"/>
-          </a:lnRef>
-          <a:fillRef idx="0">
-            <a:schemeClr val="accent2"/>
-          </a:fillRef>
-          <a:effectRef idx="1">
-            <a:schemeClr val="accent2"/>
-          </a:effectRef>
-          <a:fontRef idx="minor">
-            <a:schemeClr val="tx1"/>
-          </a:fontRef>
-        </p:style>
-      </p:cxnSp>
-      <p:cxnSp>
-        <p:nvCxnSpPr>
-          <p:cNvPr id="26" name="Straight Arrow Connector 25">
-            <a:extLst>
-              <a:ext uri="{FF2B5EF4-FFF2-40B4-BE49-F238E27FC236}">
-                <a16:creationId xmlns:a16="http://schemas.microsoft.com/office/drawing/2014/main" id="{F52E9482-7E6F-EF20-7F52-E21C576F520B}"/>
-              </a:ext>
-            </a:extLst>
-          </p:cNvPr>
-          <p:cNvCxnSpPr>
-            <a:cxnSpLocks/>
-          </p:cNvCxnSpPr>
-          <p:nvPr/>
-        </p:nvCxnSpPr>
-        <p:spPr>
-          <a:xfrm flipV="1">
-            <a:off x="8622792" y="2139696"/>
-            <a:ext cx="1261872" cy="806958"/>
-          </a:xfrm>
-          <a:prstGeom prst="straightConnector1">
-            <a:avLst/>
-          </a:prstGeom>
-          <a:ln>
-            <a:tailEnd type="triangle"/>
-          </a:ln>
-        </p:spPr>
-        <p:style>
-          <a:lnRef idx="2">
-            <a:schemeClr val="accent2"/>
-          </a:lnRef>
-          <a:fillRef idx="0">
-            <a:schemeClr val="accent2"/>
-          </a:fillRef>
-          <a:effectRef idx="1">
-            <a:schemeClr val="accent2"/>
-          </a:effectRef>
-          <a:fontRef idx="minor">
-            <a:schemeClr val="tx1"/>
-          </a:fontRef>
-        </p:style>
-      </p:cxnSp>
     </p:spTree>
     <p:extLst>
       <p:ext uri="{BB962C8B-B14F-4D97-AF65-F5344CB8AC3E}">

--- a/presentation/Delivery Delay Prediction.pptx
+++ b/presentation/Delivery Delay Prediction.pptx
@@ -5,7 +5,7 @@
     <p:sldMasterId id="2147483648" r:id="rId1"/>
   </p:sldMasterIdLst>
   <p:notesMasterIdLst>
-    <p:notesMasterId r:id="rId9"/>
+    <p:notesMasterId r:id="rId10"/>
   </p:notesMasterIdLst>
   <p:sldIdLst>
     <p:sldId id="257" r:id="rId2"/>
@@ -14,7 +14,8 @@
     <p:sldId id="260" r:id="rId5"/>
     <p:sldId id="262" r:id="rId6"/>
     <p:sldId id="261" r:id="rId7"/>
-    <p:sldId id="263" r:id="rId8"/>
+    <p:sldId id="264" r:id="rId8"/>
+    <p:sldId id="263" r:id="rId9"/>
   </p:sldIdLst>
   <p:sldSz cx="12192000" cy="6858000"/>
   <p:notesSz cx="6858000" cy="9144000"/>
@@ -121,6 +122,914 @@
 </p:presentation>
 </file>
 
+<file path=ppt/charts/chart1.xml><?xml version="1.0" encoding="utf-8"?>
+<c:chartSpace xmlns:c="http://schemas.openxmlformats.org/drawingml/2006/chart" xmlns:a="http://schemas.openxmlformats.org/drawingml/2006/main" xmlns:r="http://schemas.openxmlformats.org/officeDocument/2006/relationships" xmlns:c16r2="http://schemas.microsoft.com/office/drawing/2015/06/chart">
+  <c:date1904 val="0"/>
+  <c:lang val="en-US"/>
+  <c:roundedCorners val="0"/>
+  <mc:AlternateContent xmlns:mc="http://schemas.openxmlformats.org/markup-compatibility/2006">
+    <mc:Choice xmlns:c14="http://schemas.microsoft.com/office/drawing/2007/8/2/chart" Requires="c14">
+      <c14:style val="102"/>
+    </mc:Choice>
+    <mc:Fallback>
+      <c:style val="2"/>
+    </mc:Fallback>
+  </mc:AlternateContent>
+  <c:chart>
+    <c:autoTitleDeleted val="1"/>
+    <c:plotArea>
+      <c:layout/>
+      <c:barChart>
+        <c:barDir val="bar"/>
+        <c:grouping val="stacked"/>
+        <c:varyColors val="0"/>
+        <c:ser>
+          <c:idx val="0"/>
+          <c:order val="0"/>
+          <c:tx>
+            <c:strRef>
+              <c:f>Sheet1!$B$1</c:f>
+              <c:strCache>
+                <c:ptCount val="1"/>
+                <c:pt idx="0">
+                  <c:v>Series 1</c:v>
+                </c:pt>
+              </c:strCache>
+            </c:strRef>
+          </c:tx>
+          <c:spPr>
+            <a:solidFill>
+              <a:srgbClr val="FF5757"/>
+            </a:solidFill>
+            <a:ln>
+              <a:solidFill>
+                <a:schemeClr val="tx1"/>
+              </a:solidFill>
+            </a:ln>
+            <a:effectLst/>
+          </c:spPr>
+          <c:invertIfNegative val="0"/>
+          <c:dLbls>
+            <c:spPr>
+              <a:noFill/>
+              <a:ln>
+                <a:noFill/>
+              </a:ln>
+              <a:effectLst/>
+            </c:spPr>
+            <c:txPr>
+              <a:bodyPr rot="0" spcFirstLastPara="1" vertOverflow="ellipsis" vert="horz" wrap="square" lIns="38100" tIns="19050" rIns="38100" bIns="19050" anchor="ctr" anchorCtr="1">
+                <a:spAutoFit/>
+              </a:bodyPr>
+              <a:lstStyle/>
+              <a:p>
+                <a:pPr>
+                  <a:defRPr sz="1197" b="0" i="0" u="none" strike="noStrike" kern="1200" baseline="0">
+                    <a:solidFill>
+                      <a:schemeClr val="tx1">
+                        <a:lumMod val="75000"/>
+                        <a:lumOff val="25000"/>
+                      </a:schemeClr>
+                    </a:solidFill>
+                    <a:latin typeface="+mn-lt"/>
+                    <a:ea typeface="+mn-ea"/>
+                    <a:cs typeface="+mn-cs"/>
+                  </a:defRPr>
+                </a:pPr>
+                <a:endParaRPr lang="en-US"/>
+              </a:p>
+            </c:txPr>
+            <c:dLblPos val="ctr"/>
+            <c:showLegendKey val="0"/>
+            <c:showVal val="1"/>
+            <c:showCatName val="0"/>
+            <c:showSerName val="0"/>
+            <c:showPercent val="0"/>
+            <c:showBubbleSize val="0"/>
+            <c:showLeaderLines val="0"/>
+            <c:extLst>
+              <c:ext xmlns:c15="http://schemas.microsoft.com/office/drawing/2012/chart" uri="{CE6537A1-D6FC-4f65-9D91-7224C49458BB}">
+                <c15:showLeaderLines val="1"/>
+                <c15:leaderLines>
+                  <c:spPr>
+                    <a:ln w="9525" cap="flat" cmpd="sng" algn="ctr">
+                      <a:solidFill>
+                        <a:schemeClr val="tx1">
+                          <a:lumMod val="35000"/>
+                          <a:lumOff val="65000"/>
+                        </a:schemeClr>
+                      </a:solidFill>
+                      <a:round/>
+                    </a:ln>
+                    <a:effectLst/>
+                  </c:spPr>
+                </c15:leaderLines>
+              </c:ext>
+            </c:extLst>
+          </c:dLbls>
+          <c:cat>
+            <c:strRef>
+              <c:f>Sheet1!$A$2</c:f>
+              <c:strCache>
+                <c:ptCount val="1"/>
+                <c:pt idx="0">
+                  <c:v>Category 1</c:v>
+                </c:pt>
+              </c:strCache>
+            </c:strRef>
+          </c:cat>
+          <c:val>
+            <c:numRef>
+              <c:f>Sheet1!$B$2</c:f>
+              <c:numCache>
+                <c:formatCode>0%</c:formatCode>
+                <c:ptCount val="1"/>
+                <c:pt idx="0">
+                  <c:v>0.27</c:v>
+                </c:pt>
+              </c:numCache>
+            </c:numRef>
+          </c:val>
+          <c:extLst>
+            <c:ext xmlns:c16="http://schemas.microsoft.com/office/drawing/2014/chart" uri="{C3380CC4-5D6E-409C-BE32-E72D297353CC}">
+              <c16:uniqueId val="{00000000-89C6-4858-83F1-317F7D872063}"/>
+            </c:ext>
+          </c:extLst>
+        </c:ser>
+        <c:ser>
+          <c:idx val="1"/>
+          <c:order val="1"/>
+          <c:tx>
+            <c:strRef>
+              <c:f>Sheet1!$C$1</c:f>
+              <c:strCache>
+                <c:ptCount val="1"/>
+                <c:pt idx="0">
+                  <c:v>Series 2</c:v>
+                </c:pt>
+              </c:strCache>
+            </c:strRef>
+          </c:tx>
+          <c:spPr>
+            <a:solidFill>
+              <a:schemeClr val="accent6">
+                <a:lumMod val="60000"/>
+                <a:lumOff val="40000"/>
+              </a:schemeClr>
+            </a:solidFill>
+            <a:ln>
+              <a:solidFill>
+                <a:srgbClr val="BAC5D6"/>
+              </a:solidFill>
+            </a:ln>
+            <a:effectLst/>
+          </c:spPr>
+          <c:invertIfNegative val="0"/>
+          <c:dPt>
+            <c:idx val="0"/>
+            <c:invertIfNegative val="0"/>
+            <c:bubble3D val="0"/>
+            <c:spPr>
+              <a:solidFill>
+                <a:schemeClr val="accent6">
+                  <a:lumMod val="60000"/>
+                  <a:lumOff val="40000"/>
+                </a:schemeClr>
+              </a:solidFill>
+              <a:ln>
+                <a:solidFill>
+                  <a:schemeClr val="tx1"/>
+                </a:solidFill>
+              </a:ln>
+              <a:effectLst/>
+            </c:spPr>
+            <c:extLst>
+              <c:ext xmlns:c16="http://schemas.microsoft.com/office/drawing/2014/chart" uri="{C3380CC4-5D6E-409C-BE32-E72D297353CC}">
+                <c16:uniqueId val="{00000004-89C6-4858-83F1-317F7D872063}"/>
+              </c:ext>
+            </c:extLst>
+          </c:dPt>
+          <c:dLbls>
+            <c:spPr>
+              <a:noFill/>
+              <a:ln>
+                <a:noFill/>
+              </a:ln>
+              <a:effectLst/>
+            </c:spPr>
+            <c:txPr>
+              <a:bodyPr rot="0" spcFirstLastPara="1" vertOverflow="ellipsis" vert="horz" wrap="square" lIns="38100" tIns="19050" rIns="38100" bIns="19050" anchor="ctr" anchorCtr="1">
+                <a:spAutoFit/>
+              </a:bodyPr>
+              <a:lstStyle/>
+              <a:p>
+                <a:pPr>
+                  <a:defRPr sz="1197" b="0" i="0" u="none" strike="noStrike" kern="1200" baseline="0">
+                    <a:solidFill>
+                      <a:schemeClr val="tx1">
+                        <a:lumMod val="75000"/>
+                        <a:lumOff val="25000"/>
+                      </a:schemeClr>
+                    </a:solidFill>
+                    <a:latin typeface="+mn-lt"/>
+                    <a:ea typeface="+mn-ea"/>
+                    <a:cs typeface="+mn-cs"/>
+                  </a:defRPr>
+                </a:pPr>
+                <a:endParaRPr lang="en-US"/>
+              </a:p>
+            </c:txPr>
+            <c:dLblPos val="ctr"/>
+            <c:showLegendKey val="0"/>
+            <c:showVal val="1"/>
+            <c:showCatName val="0"/>
+            <c:showSerName val="0"/>
+            <c:showPercent val="0"/>
+            <c:showBubbleSize val="0"/>
+            <c:showLeaderLines val="0"/>
+            <c:extLst>
+              <c:ext xmlns:c15="http://schemas.microsoft.com/office/drawing/2012/chart" uri="{CE6537A1-D6FC-4f65-9D91-7224C49458BB}">
+                <c15:showLeaderLines val="1"/>
+                <c15:leaderLines>
+                  <c:spPr>
+                    <a:ln w="9525" cap="flat" cmpd="sng" algn="ctr">
+                      <a:solidFill>
+                        <a:schemeClr val="tx1">
+                          <a:lumMod val="35000"/>
+                          <a:lumOff val="65000"/>
+                        </a:schemeClr>
+                      </a:solidFill>
+                      <a:round/>
+                    </a:ln>
+                    <a:effectLst/>
+                  </c:spPr>
+                </c15:leaderLines>
+              </c:ext>
+            </c:extLst>
+          </c:dLbls>
+          <c:cat>
+            <c:strRef>
+              <c:f>Sheet1!$A$2</c:f>
+              <c:strCache>
+                <c:ptCount val="1"/>
+                <c:pt idx="0">
+                  <c:v>Category 1</c:v>
+                </c:pt>
+              </c:strCache>
+            </c:strRef>
+          </c:cat>
+          <c:val>
+            <c:numRef>
+              <c:f>Sheet1!$C$2</c:f>
+              <c:numCache>
+                <c:formatCode>0%</c:formatCode>
+                <c:ptCount val="1"/>
+                <c:pt idx="0">
+                  <c:v>0.73</c:v>
+                </c:pt>
+              </c:numCache>
+            </c:numRef>
+          </c:val>
+          <c:extLst>
+            <c:ext xmlns:c16="http://schemas.microsoft.com/office/drawing/2014/chart" uri="{C3380CC4-5D6E-409C-BE32-E72D297353CC}">
+              <c16:uniqueId val="{00000001-89C6-4858-83F1-317F7D872063}"/>
+            </c:ext>
+          </c:extLst>
+        </c:ser>
+        <c:dLbls>
+          <c:dLblPos val="ctr"/>
+          <c:showLegendKey val="0"/>
+          <c:showVal val="1"/>
+          <c:showCatName val="0"/>
+          <c:showSerName val="0"/>
+          <c:showPercent val="0"/>
+          <c:showBubbleSize val="0"/>
+        </c:dLbls>
+        <c:gapWidth val="150"/>
+        <c:overlap val="100"/>
+        <c:axId val="1357368703"/>
+        <c:axId val="1357373503"/>
+      </c:barChart>
+      <c:catAx>
+        <c:axId val="1357368703"/>
+        <c:scaling>
+          <c:orientation val="minMax"/>
+        </c:scaling>
+        <c:delete val="1"/>
+        <c:axPos val="l"/>
+        <c:numFmt formatCode="General" sourceLinked="1"/>
+        <c:majorTickMark val="none"/>
+        <c:minorTickMark val="none"/>
+        <c:tickLblPos val="nextTo"/>
+        <c:crossAx val="1357373503"/>
+        <c:crosses val="autoZero"/>
+        <c:auto val="1"/>
+        <c:lblAlgn val="ctr"/>
+        <c:lblOffset val="100"/>
+        <c:noMultiLvlLbl val="0"/>
+      </c:catAx>
+      <c:valAx>
+        <c:axId val="1357373503"/>
+        <c:scaling>
+          <c:orientation val="minMax"/>
+        </c:scaling>
+        <c:delete val="1"/>
+        <c:axPos val="b"/>
+        <c:numFmt formatCode="0%" sourceLinked="1"/>
+        <c:majorTickMark val="none"/>
+        <c:minorTickMark val="none"/>
+        <c:tickLblPos val="nextTo"/>
+        <c:crossAx val="1357368703"/>
+        <c:crosses val="autoZero"/>
+        <c:crossBetween val="between"/>
+      </c:valAx>
+      <c:spPr>
+        <a:noFill/>
+        <a:ln>
+          <a:noFill/>
+        </a:ln>
+        <a:effectLst/>
+      </c:spPr>
+    </c:plotArea>
+    <c:plotVisOnly val="1"/>
+    <c:dispBlanksAs val="gap"/>
+    <c:extLst>
+      <c:ext xmlns:c16r3="http://schemas.microsoft.com/office/drawing/2017/03/chart" uri="{56B9EC1D-385E-4148-901F-78D8002777C0}">
+        <c16r3:dataDisplayOptions16>
+          <c16r3:dispNaAsBlank val="1"/>
+        </c16r3:dataDisplayOptions16>
+      </c:ext>
+    </c:extLst>
+    <c:showDLblsOverMax val="0"/>
+  </c:chart>
+  <c:spPr>
+    <a:noFill/>
+    <a:ln>
+      <a:noFill/>
+    </a:ln>
+    <a:effectLst/>
+  </c:spPr>
+  <c:txPr>
+    <a:bodyPr/>
+    <a:lstStyle/>
+    <a:p>
+      <a:pPr>
+        <a:defRPr/>
+      </a:pPr>
+      <a:endParaRPr lang="en-US"/>
+    </a:p>
+  </c:txPr>
+  <c:externalData r:id="rId3">
+    <c:autoUpdate val="0"/>
+  </c:externalData>
+</c:chartSpace>
+</file>
+
+<file path=ppt/charts/colors1.xml><?xml version="1.0" encoding="utf-8"?>
+<cs:colorStyle xmlns:cs="http://schemas.microsoft.com/office/drawing/2012/chartStyle" xmlns:a="http://schemas.openxmlformats.org/drawingml/2006/main" meth="cycle" id="10">
+  <a:schemeClr val="accent1"/>
+  <a:schemeClr val="accent2"/>
+  <a:schemeClr val="accent3"/>
+  <a:schemeClr val="accent4"/>
+  <a:schemeClr val="accent5"/>
+  <a:schemeClr val="accent6"/>
+  <cs:variation/>
+  <cs:variation>
+    <a:lumMod val="60000"/>
+  </cs:variation>
+  <cs:variation>
+    <a:lumMod val="80000"/>
+    <a:lumOff val="20000"/>
+  </cs:variation>
+  <cs:variation>
+    <a:lumMod val="80000"/>
+  </cs:variation>
+  <cs:variation>
+    <a:lumMod val="60000"/>
+    <a:lumOff val="40000"/>
+  </cs:variation>
+  <cs:variation>
+    <a:lumMod val="50000"/>
+  </cs:variation>
+  <cs:variation>
+    <a:lumMod val="70000"/>
+    <a:lumOff val="30000"/>
+  </cs:variation>
+  <cs:variation>
+    <a:lumMod val="70000"/>
+  </cs:variation>
+  <cs:variation>
+    <a:lumMod val="50000"/>
+    <a:lumOff val="50000"/>
+  </cs:variation>
+</cs:colorStyle>
+</file>
+
+<file path=ppt/charts/style1.xml><?xml version="1.0" encoding="utf-8"?>
+<cs:chartStyle xmlns:cs="http://schemas.microsoft.com/office/drawing/2012/chartStyle" xmlns:a="http://schemas.openxmlformats.org/drawingml/2006/main" id="297">
+  <cs:axisTitle>
+    <cs:lnRef idx="0"/>
+    <cs:fillRef idx="0"/>
+    <cs:effectRef idx="0"/>
+    <cs:fontRef idx="minor">
+      <a:schemeClr val="tx1">
+        <a:lumMod val="65000"/>
+        <a:lumOff val="35000"/>
+      </a:schemeClr>
+    </cs:fontRef>
+    <cs:defRPr sz="1330" kern="1200"/>
+  </cs:axisTitle>
+  <cs:categoryAxis>
+    <cs:lnRef idx="0"/>
+    <cs:fillRef idx="0"/>
+    <cs:effectRef idx="0"/>
+    <cs:fontRef idx="minor">
+      <a:schemeClr val="tx1">
+        <a:lumMod val="65000"/>
+        <a:lumOff val="35000"/>
+      </a:schemeClr>
+    </cs:fontRef>
+    <cs:spPr>
+      <a:ln w="9525" cap="flat" cmpd="sng" algn="ctr">
+        <a:solidFill>
+          <a:schemeClr val="tx1">
+            <a:lumMod val="15000"/>
+            <a:lumOff val="85000"/>
+          </a:schemeClr>
+        </a:solidFill>
+        <a:round/>
+      </a:ln>
+    </cs:spPr>
+    <cs:defRPr sz="1197" kern="1200"/>
+  </cs:categoryAxis>
+  <cs:chartArea mods="allowNoFillOverride allowNoLineOverride">
+    <cs:lnRef idx="0"/>
+    <cs:fillRef idx="0"/>
+    <cs:effectRef idx="0"/>
+    <cs:fontRef idx="minor">
+      <a:schemeClr val="tx1"/>
+    </cs:fontRef>
+    <cs:spPr>
+      <a:solidFill>
+        <a:schemeClr val="bg1"/>
+      </a:solidFill>
+      <a:ln w="9525" cap="flat" cmpd="sng" algn="ctr">
+        <a:solidFill>
+          <a:schemeClr val="tx1">
+            <a:lumMod val="15000"/>
+            <a:lumOff val="85000"/>
+          </a:schemeClr>
+        </a:solidFill>
+        <a:round/>
+      </a:ln>
+    </cs:spPr>
+    <cs:defRPr sz="1330" kern="1200"/>
+  </cs:chartArea>
+  <cs:dataLabel>
+    <cs:lnRef idx="0"/>
+    <cs:fillRef idx="0"/>
+    <cs:effectRef idx="0"/>
+    <cs:fontRef idx="minor">
+      <a:schemeClr val="tx1">
+        <a:lumMod val="75000"/>
+        <a:lumOff val="25000"/>
+      </a:schemeClr>
+    </cs:fontRef>
+    <cs:defRPr sz="1197" kern="1200"/>
+  </cs:dataLabel>
+  <cs:dataLabelCallout>
+    <cs:lnRef idx="0"/>
+    <cs:fillRef idx="0"/>
+    <cs:effectRef idx="0"/>
+    <cs:fontRef idx="minor">
+      <a:schemeClr val="dk1">
+        <a:lumMod val="65000"/>
+        <a:lumOff val="35000"/>
+      </a:schemeClr>
+    </cs:fontRef>
+    <cs:spPr>
+      <a:solidFill>
+        <a:schemeClr val="lt1"/>
+      </a:solidFill>
+      <a:ln>
+        <a:solidFill>
+          <a:schemeClr val="dk1">
+            <a:lumMod val="25000"/>
+            <a:lumOff val="75000"/>
+          </a:schemeClr>
+        </a:solidFill>
+      </a:ln>
+    </cs:spPr>
+    <cs:defRPr sz="1197" kern="1200"/>
+    <cs:bodyPr rot="0" spcFirstLastPara="1" vertOverflow="clip" horzOverflow="clip" vert="horz" wrap="square" lIns="36576" tIns="18288" rIns="36576" bIns="18288" anchor="ctr" anchorCtr="1">
+      <a:spAutoFit/>
+    </cs:bodyPr>
+  </cs:dataLabelCallout>
+  <cs:dataPoint>
+    <cs:lnRef idx="0"/>
+    <cs:fillRef idx="1">
+      <cs:styleClr val="auto"/>
+    </cs:fillRef>
+    <cs:effectRef idx="0"/>
+    <cs:fontRef idx="minor">
+      <a:schemeClr val="tx1"/>
+    </cs:fontRef>
+  </cs:dataPoint>
+  <cs:dataPoint3D>
+    <cs:lnRef idx="0"/>
+    <cs:fillRef idx="1">
+      <cs:styleClr val="auto"/>
+    </cs:fillRef>
+    <cs:effectRef idx="0"/>
+    <cs:fontRef idx="minor">
+      <a:schemeClr val="tx1"/>
+    </cs:fontRef>
+  </cs:dataPoint3D>
+  <cs:dataPointLine>
+    <cs:lnRef idx="0">
+      <cs:styleClr val="auto"/>
+    </cs:lnRef>
+    <cs:fillRef idx="1"/>
+    <cs:effectRef idx="0"/>
+    <cs:fontRef idx="minor">
+      <a:schemeClr val="tx1"/>
+    </cs:fontRef>
+    <cs:spPr>
+      <a:ln w="28575" cap="rnd">
+        <a:solidFill>
+          <a:schemeClr val="phClr"/>
+        </a:solidFill>
+        <a:round/>
+      </a:ln>
+    </cs:spPr>
+  </cs:dataPointLine>
+  <cs:dataPointMarker>
+    <cs:lnRef idx="0">
+      <cs:styleClr val="auto"/>
+    </cs:lnRef>
+    <cs:fillRef idx="1">
+      <cs:styleClr val="auto"/>
+    </cs:fillRef>
+    <cs:effectRef idx="0"/>
+    <cs:fontRef idx="minor">
+      <a:schemeClr val="tx1"/>
+    </cs:fontRef>
+    <cs:spPr>
+      <a:ln w="9525">
+        <a:solidFill>
+          <a:schemeClr val="phClr"/>
+        </a:solidFill>
+      </a:ln>
+    </cs:spPr>
+  </cs:dataPointMarker>
+  <cs:dataPointMarkerLayout symbol="circle" size="5"/>
+  <cs:dataPointWireframe>
+    <cs:lnRef idx="0">
+      <cs:styleClr val="auto"/>
+    </cs:lnRef>
+    <cs:fillRef idx="1"/>
+    <cs:effectRef idx="0"/>
+    <cs:fontRef idx="minor">
+      <a:schemeClr val="tx1"/>
+    </cs:fontRef>
+    <cs:spPr>
+      <a:ln w="9525" cap="rnd">
+        <a:solidFill>
+          <a:schemeClr val="phClr"/>
+        </a:solidFill>
+        <a:round/>
+      </a:ln>
+    </cs:spPr>
+  </cs:dataPointWireframe>
+  <cs:dataTable>
+    <cs:lnRef idx="0"/>
+    <cs:fillRef idx="0"/>
+    <cs:effectRef idx="0"/>
+    <cs:fontRef idx="minor">
+      <a:schemeClr val="tx1">
+        <a:lumMod val="65000"/>
+        <a:lumOff val="35000"/>
+      </a:schemeClr>
+    </cs:fontRef>
+    <cs:spPr>
+      <a:noFill/>
+      <a:ln w="9525" cap="flat" cmpd="sng" algn="ctr">
+        <a:solidFill>
+          <a:schemeClr val="tx1">
+            <a:lumMod val="15000"/>
+            <a:lumOff val="85000"/>
+          </a:schemeClr>
+        </a:solidFill>
+        <a:round/>
+      </a:ln>
+    </cs:spPr>
+    <cs:defRPr sz="1197" kern="1200"/>
+  </cs:dataTable>
+  <cs:downBar>
+    <cs:lnRef idx="0"/>
+    <cs:fillRef idx="0"/>
+    <cs:effectRef idx="0"/>
+    <cs:fontRef idx="minor">
+      <a:schemeClr val="tx1"/>
+    </cs:fontRef>
+    <cs:spPr>
+      <a:solidFill>
+        <a:schemeClr val="dk1">
+          <a:lumMod val="75000"/>
+          <a:lumOff val="25000"/>
+        </a:schemeClr>
+      </a:solidFill>
+      <a:ln w="9525" cap="flat" cmpd="sng" algn="ctr">
+        <a:solidFill>
+          <a:schemeClr val="tx1">
+            <a:lumMod val="65000"/>
+            <a:lumOff val="35000"/>
+          </a:schemeClr>
+        </a:solidFill>
+        <a:round/>
+      </a:ln>
+    </cs:spPr>
+  </cs:downBar>
+  <cs:dropLine>
+    <cs:lnRef idx="0"/>
+    <cs:fillRef idx="0"/>
+    <cs:effectRef idx="0"/>
+    <cs:fontRef idx="minor">
+      <a:schemeClr val="tx1"/>
+    </cs:fontRef>
+    <cs:spPr>
+      <a:ln w="9525" cap="flat" cmpd="sng" algn="ctr">
+        <a:solidFill>
+          <a:schemeClr val="tx1">
+            <a:lumMod val="35000"/>
+            <a:lumOff val="65000"/>
+          </a:schemeClr>
+        </a:solidFill>
+        <a:round/>
+      </a:ln>
+    </cs:spPr>
+  </cs:dropLine>
+  <cs:errorBar>
+    <cs:lnRef idx="0"/>
+    <cs:fillRef idx="0"/>
+    <cs:effectRef idx="0"/>
+    <cs:fontRef idx="minor">
+      <a:schemeClr val="tx1"/>
+    </cs:fontRef>
+    <cs:spPr>
+      <a:ln w="9525" cap="flat" cmpd="sng" algn="ctr">
+        <a:solidFill>
+          <a:schemeClr val="tx1">
+            <a:lumMod val="65000"/>
+            <a:lumOff val="35000"/>
+          </a:schemeClr>
+        </a:solidFill>
+        <a:round/>
+      </a:ln>
+    </cs:spPr>
+  </cs:errorBar>
+  <cs:floor>
+    <cs:lnRef idx="0"/>
+    <cs:fillRef idx="0"/>
+    <cs:effectRef idx="0"/>
+    <cs:fontRef idx="minor">
+      <a:schemeClr val="tx1"/>
+    </cs:fontRef>
+    <cs:spPr>
+      <a:noFill/>
+      <a:ln>
+        <a:noFill/>
+      </a:ln>
+    </cs:spPr>
+  </cs:floor>
+  <cs:gridlineMajor>
+    <cs:lnRef idx="0"/>
+    <cs:fillRef idx="0"/>
+    <cs:effectRef idx="0"/>
+    <cs:fontRef idx="minor">
+      <a:schemeClr val="tx1"/>
+    </cs:fontRef>
+    <cs:spPr>
+      <a:ln w="9525" cap="flat" cmpd="sng" algn="ctr">
+        <a:solidFill>
+          <a:schemeClr val="tx1">
+            <a:lumMod val="15000"/>
+            <a:lumOff val="85000"/>
+          </a:schemeClr>
+        </a:solidFill>
+        <a:round/>
+      </a:ln>
+    </cs:spPr>
+  </cs:gridlineMajor>
+  <cs:gridlineMinor>
+    <cs:lnRef idx="0"/>
+    <cs:fillRef idx="0"/>
+    <cs:effectRef idx="0"/>
+    <cs:fontRef idx="minor">
+      <a:schemeClr val="tx1"/>
+    </cs:fontRef>
+    <cs:spPr>
+      <a:ln w="9525" cap="flat" cmpd="sng" algn="ctr">
+        <a:solidFill>
+          <a:schemeClr val="tx1">
+            <a:lumMod val="5000"/>
+            <a:lumOff val="95000"/>
+          </a:schemeClr>
+        </a:solidFill>
+        <a:round/>
+      </a:ln>
+    </cs:spPr>
+  </cs:gridlineMinor>
+  <cs:hiLoLine>
+    <cs:lnRef idx="0"/>
+    <cs:fillRef idx="0"/>
+    <cs:effectRef idx="0"/>
+    <cs:fontRef idx="minor">
+      <a:schemeClr val="tx1"/>
+    </cs:fontRef>
+    <cs:spPr>
+      <a:ln w="9525" cap="flat" cmpd="sng" algn="ctr">
+        <a:solidFill>
+          <a:schemeClr val="tx1">
+            <a:lumMod val="50000"/>
+            <a:lumOff val="50000"/>
+          </a:schemeClr>
+        </a:solidFill>
+        <a:round/>
+      </a:ln>
+    </cs:spPr>
+  </cs:hiLoLine>
+  <cs:leaderLine>
+    <cs:lnRef idx="0"/>
+    <cs:fillRef idx="0"/>
+    <cs:effectRef idx="0"/>
+    <cs:fontRef idx="minor">
+      <a:schemeClr val="tx1"/>
+    </cs:fontRef>
+    <cs:spPr>
+      <a:ln w="9525" cap="flat" cmpd="sng" algn="ctr">
+        <a:solidFill>
+          <a:schemeClr val="tx1">
+            <a:lumMod val="35000"/>
+            <a:lumOff val="65000"/>
+          </a:schemeClr>
+        </a:solidFill>
+        <a:round/>
+      </a:ln>
+    </cs:spPr>
+  </cs:leaderLine>
+  <cs:legend>
+    <cs:lnRef idx="0"/>
+    <cs:fillRef idx="0"/>
+    <cs:effectRef idx="0"/>
+    <cs:fontRef idx="minor">
+      <a:schemeClr val="tx1">
+        <a:lumMod val="65000"/>
+        <a:lumOff val="35000"/>
+      </a:schemeClr>
+    </cs:fontRef>
+    <cs:defRPr sz="1197" kern="1200"/>
+  </cs:legend>
+  <cs:plotArea mods="allowNoFillOverride allowNoLineOverride">
+    <cs:lnRef idx="0"/>
+    <cs:fillRef idx="0"/>
+    <cs:effectRef idx="0"/>
+    <cs:fontRef idx="minor">
+      <a:schemeClr val="tx1"/>
+    </cs:fontRef>
+  </cs:plotArea>
+  <cs:plotArea3D mods="allowNoFillOverride allowNoLineOverride">
+    <cs:lnRef idx="0"/>
+    <cs:fillRef idx="0"/>
+    <cs:effectRef idx="0"/>
+    <cs:fontRef idx="minor">
+      <a:schemeClr val="tx1"/>
+    </cs:fontRef>
+  </cs:plotArea3D>
+  <cs:seriesAxis>
+    <cs:lnRef idx="0"/>
+    <cs:fillRef idx="0"/>
+    <cs:effectRef idx="0"/>
+    <cs:fontRef idx="minor">
+      <a:schemeClr val="tx1">
+        <a:lumMod val="65000"/>
+        <a:lumOff val="35000"/>
+      </a:schemeClr>
+    </cs:fontRef>
+    <cs:defRPr sz="1197" kern="1200"/>
+  </cs:seriesAxis>
+  <cs:seriesLine>
+    <cs:lnRef idx="0"/>
+    <cs:fillRef idx="0"/>
+    <cs:effectRef idx="0"/>
+    <cs:fontRef idx="minor">
+      <a:schemeClr val="tx1"/>
+    </cs:fontRef>
+    <cs:spPr>
+      <a:ln w="9525" cap="flat" cmpd="sng" algn="ctr">
+        <a:solidFill>
+          <a:schemeClr val="tx1">
+            <a:lumMod val="35000"/>
+            <a:lumOff val="65000"/>
+          </a:schemeClr>
+        </a:solidFill>
+        <a:round/>
+      </a:ln>
+    </cs:spPr>
+  </cs:seriesLine>
+  <cs:title>
+    <cs:lnRef idx="0"/>
+    <cs:fillRef idx="0"/>
+    <cs:effectRef idx="0"/>
+    <cs:fontRef idx="minor">
+      <a:schemeClr val="tx1">
+        <a:lumMod val="65000"/>
+        <a:lumOff val="35000"/>
+      </a:schemeClr>
+    </cs:fontRef>
+    <cs:defRPr sz="1862" b="0" kern="1200" spc="0" baseline="0"/>
+  </cs:title>
+  <cs:trendline>
+    <cs:lnRef idx="0">
+      <cs:styleClr val="auto"/>
+    </cs:lnRef>
+    <cs:fillRef idx="0"/>
+    <cs:effectRef idx="0"/>
+    <cs:fontRef idx="minor">
+      <a:schemeClr val="tx1"/>
+    </cs:fontRef>
+    <cs:spPr>
+      <a:ln w="19050" cap="rnd">
+        <a:solidFill>
+          <a:schemeClr val="phClr"/>
+        </a:solidFill>
+        <a:prstDash val="sysDot"/>
+      </a:ln>
+    </cs:spPr>
+  </cs:trendline>
+  <cs:trendlineLabel>
+    <cs:lnRef idx="0"/>
+    <cs:fillRef idx="0"/>
+    <cs:effectRef idx="0"/>
+    <cs:fontRef idx="minor">
+      <a:schemeClr val="tx1">
+        <a:lumMod val="65000"/>
+        <a:lumOff val="35000"/>
+      </a:schemeClr>
+    </cs:fontRef>
+    <cs:defRPr sz="1197" kern="1200"/>
+  </cs:trendlineLabel>
+  <cs:upBar>
+    <cs:lnRef idx="0"/>
+    <cs:fillRef idx="0"/>
+    <cs:effectRef idx="0"/>
+    <cs:fontRef idx="minor">
+      <a:schemeClr val="tx1"/>
+    </cs:fontRef>
+    <cs:spPr>
+      <a:solidFill>
+        <a:schemeClr val="lt1"/>
+      </a:solidFill>
+      <a:ln w="9525" cap="flat" cmpd="sng" algn="ctr">
+        <a:solidFill>
+          <a:schemeClr val="tx1">
+            <a:lumMod val="65000"/>
+            <a:lumOff val="35000"/>
+          </a:schemeClr>
+        </a:solidFill>
+        <a:round/>
+      </a:ln>
+    </cs:spPr>
+  </cs:upBar>
+  <cs:valueAxis>
+    <cs:lnRef idx="0"/>
+    <cs:fillRef idx="0"/>
+    <cs:effectRef idx="0"/>
+    <cs:fontRef idx="minor">
+      <a:schemeClr val="tx1">
+        <a:lumMod val="65000"/>
+        <a:lumOff val="35000"/>
+      </a:schemeClr>
+    </cs:fontRef>
+    <cs:defRPr sz="1197" kern="1200"/>
+  </cs:valueAxis>
+  <cs:wall>
+    <cs:lnRef idx="0"/>
+    <cs:fillRef idx="0"/>
+    <cs:effectRef idx="0"/>
+    <cs:fontRef idx="minor">
+      <a:schemeClr val="tx1"/>
+    </cs:fontRef>
+    <cs:spPr>
+      <a:noFill/>
+      <a:ln>
+        <a:noFill/>
+      </a:ln>
+    </cs:spPr>
+  </cs:wall>
+</cs:chartStyle>
+</file>
+
 <file path=ppt/notesMasters/notesMaster1.xml><?xml version="1.0" encoding="utf-8"?>
 <p:notesMaster xmlns:a="http://schemas.openxmlformats.org/drawingml/2006/main" xmlns:r="http://schemas.openxmlformats.org/officeDocument/2006/relationships" xmlns:p="http://schemas.openxmlformats.org/presentationml/2006/main">
   <p:cSld>
@@ -203,7 +1112,7 @@
           <a:p>
             <a:fld id="{4F2A0E56-3DCE-46B7-AC09-12AD974F200C}" type="datetimeFigureOut">
               <a:rPr lang="en-GB" smtClean="0"/>
-              <a:t>24/11/2024</a:t>
+              <a:t>27/11/2024</a:t>
             </a:fld>
             <a:endParaRPr lang="en-GB"/>
           </a:p>
@@ -536,7 +1445,7 @@
           <a:p>
             <a:fld id="{A4ABC157-07A9-4E30-9726-3F1430A1ED6A}" type="slidenum">
               <a:rPr lang="en-GB" smtClean="0"/>
-              <a:t>7</a:t>
+              <a:t>8</a:t>
             </a:fld>
             <a:endParaRPr lang="en-GB"/>
           </a:p>
@@ -704,7 +1613,7 @@
           <a:p>
             <a:fld id="{60238AE0-F910-49EC-B503-B232D2E6E931}" type="datetimeFigureOut">
               <a:rPr lang="en-GB" smtClean="0"/>
-              <a:t>24/11/2024</a:t>
+              <a:t>27/11/2024</a:t>
             </a:fld>
             <a:endParaRPr lang="en-GB"/>
           </a:p>
@@ -904,7 +1813,7 @@
           <a:p>
             <a:fld id="{60238AE0-F910-49EC-B503-B232D2E6E931}" type="datetimeFigureOut">
               <a:rPr lang="en-GB" smtClean="0"/>
-              <a:t>24/11/2024</a:t>
+              <a:t>27/11/2024</a:t>
             </a:fld>
             <a:endParaRPr lang="en-GB"/>
           </a:p>
@@ -1114,7 +2023,7 @@
           <a:p>
             <a:fld id="{60238AE0-F910-49EC-B503-B232D2E6E931}" type="datetimeFigureOut">
               <a:rPr lang="en-GB" smtClean="0"/>
-              <a:t>24/11/2024</a:t>
+              <a:t>27/11/2024</a:t>
             </a:fld>
             <a:endParaRPr lang="en-GB"/>
           </a:p>
@@ -1314,7 +2223,7 @@
           <a:p>
             <a:fld id="{60238AE0-F910-49EC-B503-B232D2E6E931}" type="datetimeFigureOut">
               <a:rPr lang="en-GB" smtClean="0"/>
-              <a:t>24/11/2024</a:t>
+              <a:t>27/11/2024</a:t>
             </a:fld>
             <a:endParaRPr lang="en-GB"/>
           </a:p>
@@ -1590,7 +2499,7 @@
           <a:p>
             <a:fld id="{60238AE0-F910-49EC-B503-B232D2E6E931}" type="datetimeFigureOut">
               <a:rPr lang="en-GB" smtClean="0"/>
-              <a:t>24/11/2024</a:t>
+              <a:t>27/11/2024</a:t>
             </a:fld>
             <a:endParaRPr lang="en-GB"/>
           </a:p>
@@ -1858,7 +2767,7 @@
           <a:p>
             <a:fld id="{60238AE0-F910-49EC-B503-B232D2E6E931}" type="datetimeFigureOut">
               <a:rPr lang="en-GB" smtClean="0"/>
-              <a:t>24/11/2024</a:t>
+              <a:t>27/11/2024</a:t>
             </a:fld>
             <a:endParaRPr lang="en-GB"/>
           </a:p>
@@ -2273,7 +3182,7 @@
           <a:p>
             <a:fld id="{60238AE0-F910-49EC-B503-B232D2E6E931}" type="datetimeFigureOut">
               <a:rPr lang="en-GB" smtClean="0"/>
-              <a:t>24/11/2024</a:t>
+              <a:t>27/11/2024</a:t>
             </a:fld>
             <a:endParaRPr lang="en-GB"/>
           </a:p>
@@ -2415,7 +3324,7 @@
           <a:p>
             <a:fld id="{60238AE0-F910-49EC-B503-B232D2E6E931}" type="datetimeFigureOut">
               <a:rPr lang="en-GB" smtClean="0"/>
-              <a:t>24/11/2024</a:t>
+              <a:t>27/11/2024</a:t>
             </a:fld>
             <a:endParaRPr lang="en-GB"/>
           </a:p>
@@ -2528,7 +3437,7 @@
           <a:p>
             <a:fld id="{60238AE0-F910-49EC-B503-B232D2E6E931}" type="datetimeFigureOut">
               <a:rPr lang="en-GB" smtClean="0"/>
-              <a:t>24/11/2024</a:t>
+              <a:t>27/11/2024</a:t>
             </a:fld>
             <a:endParaRPr lang="en-GB"/>
           </a:p>
@@ -2841,7 +3750,7 @@
           <a:p>
             <a:fld id="{60238AE0-F910-49EC-B503-B232D2E6E931}" type="datetimeFigureOut">
               <a:rPr lang="en-GB" smtClean="0"/>
-              <a:t>24/11/2024</a:t>
+              <a:t>27/11/2024</a:t>
             </a:fld>
             <a:endParaRPr lang="en-GB"/>
           </a:p>
@@ -3130,7 +4039,7 @@
           <a:p>
             <a:fld id="{60238AE0-F910-49EC-B503-B232D2E6E931}" type="datetimeFigureOut">
               <a:rPr lang="en-GB" smtClean="0"/>
-              <a:t>24/11/2024</a:t>
+              <a:t>27/11/2024</a:t>
             </a:fld>
             <a:endParaRPr lang="en-GB"/>
           </a:p>
@@ -3376,7 +4285,7 @@
           <a:p>
             <a:fld id="{60238AE0-F910-49EC-B503-B232D2E6E931}" type="datetimeFigureOut">
               <a:rPr lang="en-GB" smtClean="0"/>
-              <a:t>24/11/2024</a:t>
+              <a:t>27/11/2024</a:t>
             </a:fld>
             <a:endParaRPr lang="en-GB"/>
           </a:p>
@@ -4113,6 +5022,34 @@
           </a:p>
         </p:txBody>
       </p:sp>
+      <p:graphicFrame>
+        <p:nvGraphicFramePr>
+          <p:cNvPr id="7" name="Chart 6">
+            <a:extLst>
+              <a:ext uri="{FF2B5EF4-FFF2-40B4-BE49-F238E27FC236}">
+                <a16:creationId xmlns:a16="http://schemas.microsoft.com/office/drawing/2014/main" id="{0E206DEA-42E6-47E8-9B0F-20871C717041}"/>
+              </a:ext>
+            </a:extLst>
+          </p:cNvPr>
+          <p:cNvGraphicFramePr/>
+          <p:nvPr>
+            <p:extLst>
+              <p:ext uri="{D42A27DB-BD31-4B8C-83A1-F6EECF244321}">
+                <p14:modId xmlns:p14="http://schemas.microsoft.com/office/powerpoint/2010/main" val="1542482470"/>
+              </p:ext>
+            </p:extLst>
+          </p:nvPr>
+        </p:nvGraphicFramePr>
+        <p:xfrm>
+          <a:off x="7219949" y="1511613"/>
+          <a:ext cx="4411219" cy="971021"/>
+        </p:xfrm>
+        <a:graphic>
+          <a:graphicData uri="http://schemas.openxmlformats.org/drawingml/2006/chart">
+            <c:chart xmlns:c="http://schemas.openxmlformats.org/drawingml/2006/chart" xmlns:r="http://schemas.openxmlformats.org/officeDocument/2006/relationships" r:id="rId4"/>
+          </a:graphicData>
+        </a:graphic>
+      </p:graphicFrame>
     </p:spTree>
     <p:extLst>
       <p:ext uri="{BB962C8B-B14F-4D97-AF65-F5344CB8AC3E}">
@@ -4254,7 +5191,7 @@
             </a:pPr>
             <a:r>
               <a:rPr lang="en-US" sz="1400" dirty="0"/>
-              <a:t>It is assumed that the delivery is completed at the last GPS track timestamp related to the delivery ID.</a:t>
+              <a:t>It is assumed that the delivery is completed at the GPS position that is closest to the delivery location.</a:t>
             </a:r>
           </a:p>
           <a:p>
@@ -5175,7 +6112,7 @@
         </p:blipFill>
         <p:spPr>
           <a:xfrm>
-            <a:off x="5611813" y="326219"/>
+            <a:off x="5611812" y="1161288"/>
             <a:ext cx="5740400" cy="3543818"/>
           </a:xfrm>
         </p:spPr>
@@ -5257,7 +6194,7 @@
         </p:nvCxnSpPr>
         <p:spPr>
           <a:xfrm flipV="1">
-            <a:off x="7040880" y="1161288"/>
+            <a:off x="7013448" y="1920240"/>
             <a:ext cx="960120" cy="1609344"/>
           </a:xfrm>
           <a:prstGeom prst="straightConnector1">
@@ -5381,6 +6318,277 @@
         <p:cNvPr id="1" name="">
           <a:extLst>
             <a:ext uri="{FF2B5EF4-FFF2-40B4-BE49-F238E27FC236}">
+              <a16:creationId xmlns:a16="http://schemas.microsoft.com/office/drawing/2014/main" id="{F846B39D-86F6-1957-1AE3-042CBE00BE83}"/>
+            </a:ext>
+          </a:extLst>
+        </p:cNvPr>
+        <p:cNvGrpSpPr/>
+        <p:nvPr/>
+      </p:nvGrpSpPr>
+      <p:grpSpPr>
+        <a:xfrm>
+          <a:off x="0" y="0"/>
+          <a:ext cx="0" cy="0"/>
+          <a:chOff x="0" y="0"/>
+          <a:chExt cx="0" cy="0"/>
+        </a:xfrm>
+      </p:grpSpPr>
+      <p:sp>
+        <p:nvSpPr>
+          <p:cNvPr id="2" name="Title 1">
+            <a:extLst>
+              <a:ext uri="{FF2B5EF4-FFF2-40B4-BE49-F238E27FC236}">
+                <a16:creationId xmlns:a16="http://schemas.microsoft.com/office/drawing/2014/main" id="{0A73D85C-924A-4A8A-3BA2-2CE92F3B1ABE}"/>
+              </a:ext>
+            </a:extLst>
+          </p:cNvPr>
+          <p:cNvSpPr>
+            <a:spLocks noGrp="1"/>
+          </p:cNvSpPr>
+          <p:nvPr>
+            <p:ph type="title"/>
+          </p:nvPr>
+        </p:nvSpPr>
+        <p:spPr>
+          <a:xfrm>
+            <a:off x="839788" y="457200"/>
+            <a:ext cx="3932237" cy="941832"/>
+          </a:xfrm>
+        </p:spPr>
+        <p:txBody>
+          <a:bodyPr anchor="t"/>
+          <a:lstStyle/>
+          <a:p>
+            <a:r>
+              <a:rPr lang="en-US" dirty="0"/>
+              <a:t>Results</a:t>
+            </a:r>
+            <a:endParaRPr lang="en-GB" dirty="0"/>
+          </a:p>
+        </p:txBody>
+      </p:sp>
+      <p:sp>
+        <p:nvSpPr>
+          <p:cNvPr id="4" name="Text Placeholder 3">
+            <a:extLst>
+              <a:ext uri="{FF2B5EF4-FFF2-40B4-BE49-F238E27FC236}">
+                <a16:creationId xmlns:a16="http://schemas.microsoft.com/office/drawing/2014/main" id="{3319088B-F246-AF33-A2F5-7EDA16FD1B22}"/>
+              </a:ext>
+            </a:extLst>
+          </p:cNvPr>
+          <p:cNvSpPr>
+            <a:spLocks noGrp="1"/>
+          </p:cNvSpPr>
+          <p:nvPr>
+            <p:ph type="body" sz="half" idx="2"/>
+          </p:nvPr>
+        </p:nvSpPr>
+        <p:spPr>
+          <a:xfrm>
+            <a:off x="839788" y="1257300"/>
+            <a:ext cx="3932237" cy="5143500"/>
+          </a:xfrm>
+        </p:spPr>
+        <p:txBody>
+          <a:bodyPr>
+            <a:normAutofit/>
+          </a:bodyPr>
+          <a:lstStyle/>
+          <a:p>
+            <a:r>
+              <a:rPr lang="en-US" sz="1400" dirty="0"/>
+              <a:t>Feature Importance</a:t>
+            </a:r>
+          </a:p>
+          <a:p>
+            <a:r>
+              <a:rPr lang="en-US" sz="1400" dirty="0"/>
+              <a:t>A measure of how useful the columns in the data are in predicting delays.</a:t>
+            </a:r>
+          </a:p>
+          <a:p>
+            <a:r>
+              <a:rPr lang="en-US" sz="1400" dirty="0"/>
+              <a:t>Carrier ID is most important, which suggests some carriers are under-performing. Deeper analysis is needed to understand which ones, then a strategic decision can be reached on how to address the issues.</a:t>
+            </a:r>
+          </a:p>
+          <a:p>
+            <a:r>
+              <a:rPr lang="en-US" sz="1400" dirty="0"/>
+              <a:t>Distance and Shipment Duration are also important, which is intuitive, but this distance is only a straight-line distance, not distance by road.</a:t>
+            </a:r>
+          </a:p>
+        </p:txBody>
+      </p:sp>
+      <p:cxnSp>
+        <p:nvCxnSpPr>
+          <p:cNvPr id="11" name="Straight Arrow Connector 10">
+            <a:extLst>
+              <a:ext uri="{FF2B5EF4-FFF2-40B4-BE49-F238E27FC236}">
+                <a16:creationId xmlns:a16="http://schemas.microsoft.com/office/drawing/2014/main" id="{5D171716-9714-F885-545E-3D54E7F22972}"/>
+              </a:ext>
+            </a:extLst>
+          </p:cNvPr>
+          <p:cNvCxnSpPr>
+            <a:cxnSpLocks/>
+          </p:cNvCxnSpPr>
+          <p:nvPr/>
+        </p:nvCxnSpPr>
+        <p:spPr>
+          <a:xfrm flipV="1">
+            <a:off x="7040880" y="1161288"/>
+            <a:ext cx="960120" cy="1609344"/>
+          </a:xfrm>
+          <a:prstGeom prst="straightConnector1">
+            <a:avLst/>
+          </a:prstGeom>
+          <a:ln>
+            <a:solidFill>
+              <a:srgbClr val="C00000"/>
+            </a:solidFill>
+            <a:tailEnd type="triangle"/>
+          </a:ln>
+        </p:spPr>
+        <p:style>
+          <a:lnRef idx="2">
+            <a:schemeClr val="accent1"/>
+          </a:lnRef>
+          <a:fillRef idx="0">
+            <a:schemeClr val="accent1"/>
+          </a:fillRef>
+          <a:effectRef idx="1">
+            <a:schemeClr val="accent1"/>
+          </a:effectRef>
+          <a:fontRef idx="minor">
+            <a:schemeClr val="tx1"/>
+          </a:fontRef>
+        </p:style>
+      </p:cxnSp>
+      <p:pic>
+        <p:nvPicPr>
+          <p:cNvPr id="10" name="Content Placeholder 9">
+            <a:extLst>
+              <a:ext uri="{FF2B5EF4-FFF2-40B4-BE49-F238E27FC236}">
+                <a16:creationId xmlns:a16="http://schemas.microsoft.com/office/drawing/2014/main" id="{66102009-4813-D533-89B8-6444F4C56485}"/>
+              </a:ext>
+            </a:extLst>
+          </p:cNvPr>
+          <p:cNvPicPr>
+            <a:picLocks noGrp="1" noChangeAspect="1"/>
+          </p:cNvPicPr>
+          <p:nvPr>
+            <p:ph idx="1"/>
+          </p:nvPr>
+        </p:nvPicPr>
+        <p:blipFill>
+          <a:blip r:embed="rId2"/>
+          <a:stretch>
+            <a:fillRect/>
+          </a:stretch>
+        </p:blipFill>
+        <p:spPr>
+          <a:xfrm>
+            <a:off x="5183188" y="1125408"/>
+            <a:ext cx="6172200" cy="4597659"/>
+          </a:xfrm>
+        </p:spPr>
+      </p:pic>
+    </p:spTree>
+    <p:extLst>
+      <p:ext uri="{BB962C8B-B14F-4D97-AF65-F5344CB8AC3E}">
+        <p14:creationId xmlns:p14="http://schemas.microsoft.com/office/powerpoint/2010/main" val="3268973364"/>
+      </p:ext>
+    </p:extLst>
+  </p:cSld>
+  <p:clrMapOvr>
+    <a:masterClrMapping/>
+  </p:clrMapOvr>
+  <p:timing>
+    <p:tnLst>
+      <p:par>
+        <p:cTn id="1" dur="indefinite" restart="never" nodeType="tmRoot">
+          <p:childTnLst>
+            <p:seq concurrent="1" nextAc="seek">
+              <p:cTn id="2" dur="indefinite" nodeType="mainSeq">
+                <p:childTnLst>
+                  <p:par>
+                    <p:cTn id="3" fill="hold">
+                      <p:stCondLst>
+                        <p:cond delay="indefinite"/>
+                      </p:stCondLst>
+                      <p:childTnLst>
+                        <p:par>
+                          <p:cTn id="4" fill="hold">
+                            <p:stCondLst>
+                              <p:cond delay="0"/>
+                            </p:stCondLst>
+                            <p:childTnLst>
+                              <p:par>
+                                <p:cTn id="5" presetID="1" presetClass="entr" presetSubtype="0" fill="hold" nodeType="clickEffect">
+                                  <p:stCondLst>
+                                    <p:cond delay="0"/>
+                                  </p:stCondLst>
+                                  <p:childTnLst>
+                                    <p:set>
+                                      <p:cBhvr>
+                                        <p:cTn id="6" dur="1" fill="hold">
+                                          <p:stCondLst>
+                                            <p:cond delay="0"/>
+                                          </p:stCondLst>
+                                        </p:cTn>
+                                        <p:tgtEl>
+                                          <p:spTgt spid="11"/>
+                                        </p:tgtEl>
+                                        <p:attrNameLst>
+                                          <p:attrName>style.visibility</p:attrName>
+                                        </p:attrNameLst>
+                                      </p:cBhvr>
+                                      <p:to>
+                                        <p:strVal val="visible"/>
+                                      </p:to>
+                                    </p:set>
+                                  </p:childTnLst>
+                                </p:cTn>
+                              </p:par>
+                            </p:childTnLst>
+                          </p:cTn>
+                        </p:par>
+                      </p:childTnLst>
+                    </p:cTn>
+                  </p:par>
+                </p:childTnLst>
+              </p:cTn>
+              <p:prevCondLst>
+                <p:cond evt="onPrev" delay="0">
+                  <p:tgtEl>
+                    <p:sldTgt/>
+                  </p:tgtEl>
+                </p:cond>
+              </p:prevCondLst>
+              <p:nextCondLst>
+                <p:cond evt="onNext" delay="0">
+                  <p:tgtEl>
+                    <p:sldTgt/>
+                  </p:tgtEl>
+                </p:cond>
+              </p:nextCondLst>
+            </p:seq>
+          </p:childTnLst>
+        </p:cTn>
+      </p:par>
+    </p:tnLst>
+  </p:timing>
+</p:sld>
+</file>
+
+<file path=ppt/slides/slide8.xml><?xml version="1.0" encoding="utf-8"?>
+<p:sld xmlns:a="http://schemas.openxmlformats.org/drawingml/2006/main" xmlns:r="http://schemas.openxmlformats.org/officeDocument/2006/relationships" xmlns:p="http://schemas.openxmlformats.org/presentationml/2006/main">
+  <p:cSld>
+    <p:spTree>
+      <p:nvGrpSpPr>
+        <p:cNvPr id="1" name="">
+          <a:extLst>
+            <a:ext uri="{FF2B5EF4-FFF2-40B4-BE49-F238E27FC236}">
               <a16:creationId xmlns:a16="http://schemas.microsoft.com/office/drawing/2014/main" id="{9E48E5F0-0B19-D1DF-DB28-D7344F246FA3}"/>
             </a:ext>
           </a:extLst>
@@ -5464,12 +6672,13 @@
             </a:pPr>
             <a:r>
               <a:rPr lang="en-US" sz="1400" b="1" dirty="0"/>
-              <a:t>Investigate Probability Shift: </a:t>
+              <a:t>Model Refinement:</a:t>
             </a:r>
             <a:r>
               <a:rPr lang="en-US" sz="1400" dirty="0"/>
-              <a:t>Analyze the cause of the higher delay probabilities in the new bookings. Determine if it's due to more at-risk shipments or other underlying factors.</a:t>
-            </a:r>
+              <a:t> Based on the findings, adjust the model to account for any differences in the new bookings and improve prediction accuracy.</a:t>
+            </a:r>
+            <a:endParaRPr lang="en-US" sz="1400" b="1" dirty="0"/>
           </a:p>
           <a:p>
             <a:pPr marL="285750" indent="-285750">
@@ -5478,11 +6687,11 @@
             </a:pPr>
             <a:r>
               <a:rPr lang="en-US" sz="1400" b="1" dirty="0"/>
-              <a:t>Model Refinement:</a:t>
+              <a:t>Investigate Probability Shift: </a:t>
             </a:r>
             <a:r>
               <a:rPr lang="en-US" sz="1400" dirty="0"/>
-              <a:t> Based on the findings, adjust the model to account for any differences in the new bookings and improve prediction accuracy.</a:t>
+              <a:t>Analyze the cause of the higher delay probabilities in the new bookings. Determine if it's due to more at-risk shipments or other underlying factors.</a:t>
             </a:r>
           </a:p>
           <a:p>
@@ -5500,17 +6709,35 @@
             </a:r>
             <a:r>
               <a:rPr lang="en-GB" sz="1200" dirty="0"/>
-              <a:t>Work has begun on including predicted jo</a:t>
+              <a:t>Work has begun on including predicted journey</a:t>
             </a:r>
             <a:r>
               <a:rPr lang="en-GB" sz="1200" i="1" dirty="0"/>
-              <a:t>urney </a:t>
+              <a:t> </a:t>
             </a:r>
             <a:r>
               <a:rPr lang="en-GB" sz="1200" dirty="0"/>
-              <a:t>times in the analysis, however early results are somewhat muted. Work will continue to improve the understanding of how to use this information in the model.</a:t>
-            </a:r>
-            <a:endParaRPr lang="en-US" sz="1400" b="1" dirty="0"/>
+              <a:t>times in the analysis using a routing API. Work will continue to improve the understanding of how to use this information in the model.</a:t>
+            </a:r>
+          </a:p>
+          <a:p>
+            <a:pPr marL="285750" indent="-285750">
+              <a:buFont typeface="Arial" panose="020B0604020202020204" pitchFamily="34" charset="0"/>
+              <a:buChar char="•"/>
+            </a:pPr>
+            <a:r>
+              <a:rPr lang="en-GB" sz="1200" b="1" dirty="0"/>
+              <a:t>Carrier Performance</a:t>
+            </a:r>
+            <a:r>
+              <a:rPr lang="en-US" sz="1400" b="1" dirty="0"/>
+              <a:t>: </a:t>
+            </a:r>
+            <a:r>
+              <a:rPr lang="en-US" sz="1200" dirty="0"/>
+              <a:t>Undertake analysis to understand factors affecting carrier performance and identify poor performers to help the business make an informed decision on handling the issues.</a:t>
+            </a:r>
+            <a:endParaRPr lang="en-GB" sz="1200" dirty="0"/>
           </a:p>
         </p:txBody>
       </p:sp>
